--- a/Documents/이전 작업 내용/[강민수] 마왕_스킬UI.pptx
+++ b/Documents/이전 작업 내용/[강민수] 마왕_스킬UI.pptx
@@ -5,11 +5,12 @@
     <p:sldMasterId id="2147483648" r:id="rId1"/>
   </p:sldMasterIdLst>
   <p:notesMasterIdLst>
-    <p:notesMasterId r:id="rId4"/>
+    <p:notesMasterId r:id="rId5"/>
   </p:notesMasterIdLst>
   <p:sldIdLst>
     <p:sldId id="257" r:id="rId2"/>
-    <p:sldId id="260" r:id="rId3"/>
+    <p:sldId id="261" r:id="rId3"/>
+    <p:sldId id="262" r:id="rId4"/>
   </p:sldIdLst>
   <p:sldSz cx="12192000" cy="6858000"/>
   <p:notesSz cx="6858000" cy="9144000"/>
@@ -4219,6 +4220,58 @@
       </p:grpSpPr>
       <p:sp>
         <p:nvSpPr>
+          <p:cNvPr id="70" name="직사각형 69">
+            <a:extLst>
+              <a:ext uri="{FF2B5EF4-FFF2-40B4-BE49-F238E27FC236}">
+                <a16:creationId xmlns:a16="http://schemas.microsoft.com/office/drawing/2014/main" id="{5046BA78-BF27-4F8C-A6BA-4BE082AF07B9}"/>
+              </a:ext>
+            </a:extLst>
+          </p:cNvPr>
+          <p:cNvSpPr/>
+          <p:nvPr/>
+        </p:nvSpPr>
+        <p:spPr>
+          <a:xfrm>
+            <a:off x="2434924" y="765477"/>
+            <a:ext cx="4499275" cy="1786109"/>
+          </a:xfrm>
+          <a:prstGeom prst="rect">
+            <a:avLst/>
+          </a:prstGeom>
+          <a:noFill/>
+          <a:ln w="28575">
+            <a:solidFill>
+              <a:schemeClr val="tx1"/>
+            </a:solidFill>
+          </a:ln>
+        </p:spPr>
+        <p:style>
+          <a:lnRef idx="2">
+            <a:schemeClr val="accent1">
+              <a:shade val="50000"/>
+            </a:schemeClr>
+          </a:lnRef>
+          <a:fillRef idx="1">
+            <a:schemeClr val="accent1"/>
+          </a:fillRef>
+          <a:effectRef idx="0">
+            <a:schemeClr val="accent1"/>
+          </a:effectRef>
+          <a:fontRef idx="minor">
+            <a:schemeClr val="lt1"/>
+          </a:fontRef>
+        </p:style>
+        <p:txBody>
+          <a:bodyPr rtlCol="0" anchor="ctr"/>
+          <a:lstStyle/>
+          <a:p>
+            <a:pPr algn="ctr"/>
+            <a:endParaRPr lang="ko-KR" altLang="en-US"/>
+          </a:p>
+        </p:txBody>
+      </p:sp>
+      <p:sp>
+        <p:nvSpPr>
           <p:cNvPr id="3" name="직사각형 2">
             <a:extLst>
               <a:ext uri="{FF2B5EF4-FFF2-40B4-BE49-F238E27FC236}">
@@ -4287,7 +4340,7 @@
         </p:nvSpPr>
         <p:spPr>
           <a:xfrm>
-            <a:off x="11694252" y="6576969"/>
+            <a:off x="11661879" y="6538671"/>
             <a:ext cx="497747" cy="171974"/>
           </a:xfrm>
         </p:spPr>
@@ -4296,7 +4349,7 @@
           <a:lstStyle/>
           <a:p>
             <a:fld id="{7D539FDA-EE08-4502-8CC6-6D7162201B8C}" type="slidenum">
-              <a:rPr lang="ko-KR" altLang="en-US" smtClean="0">
+              <a:rPr lang="ko-KR" altLang="en-US" sz="1100" smtClean="0">
                 <a:solidFill>
                   <a:schemeClr val="tx1"/>
                 </a:solidFill>
@@ -4305,14 +4358,14 @@
               <a:t>2</a:t>
             </a:fld>
             <a:r>
-              <a:rPr lang="en-US" altLang="ko-KR" dirty="0">
+              <a:rPr lang="en-US" altLang="ko-KR" sz="1100" dirty="0">
                 <a:solidFill>
                   <a:schemeClr val="tx1"/>
                 </a:solidFill>
               </a:rPr>
               <a:t>P</a:t>
             </a:r>
-            <a:endParaRPr lang="ko-KR" altLang="en-US" dirty="0">
+            <a:endParaRPr lang="ko-KR" altLang="en-US" sz="1100" dirty="0">
               <a:solidFill>
                 <a:schemeClr val="tx1"/>
               </a:solidFill>
@@ -4889,7 +4942,7 @@
         <p:spPr>
           <a:xfrm>
             <a:off x="237852" y="697657"/>
-            <a:ext cx="1107996" cy="500137"/>
+            <a:ext cx="1091966" cy="276999"/>
           </a:xfrm>
           <a:prstGeom prst="rect">
             <a:avLst/>
@@ -4907,31 +4960,22 @@
             </a:pPr>
             <a:r>
               <a:rPr lang="en-US" altLang="ko-KR" sz="1200" b="1" dirty="0"/>
-              <a:t>UI</a:t>
+              <a:t>UI </a:t>
             </a:r>
             <a:r>
               <a:rPr lang="ko-KR" altLang="en-US" sz="1200" b="1" dirty="0"/>
-              <a:t>형태</a:t>
-            </a:r>
-            <a:endParaRPr lang="en-US" altLang="ko-KR" sz="1200" b="1" dirty="0"/>
-          </a:p>
-          <a:p>
-            <a:endParaRPr lang="en-US" altLang="ko-KR" sz="400" dirty="0"/>
-          </a:p>
-          <a:p>
-            <a:r>
-              <a:rPr lang="en-US" altLang="ko-KR" sz="1050" dirty="0"/>
-              <a:t>	</a:t>
-            </a:r>
+              <a:t>데이터</a:t>
+            </a:r>
+            <a:endParaRPr lang="en-US" altLang="ko-KR" sz="1050" dirty="0"/>
           </a:p>
         </p:txBody>
       </p:sp>
       <p:pic>
         <p:nvPicPr>
-          <p:cNvPr id="10" name="그림 9">
-            <a:extLst>
-              <a:ext uri="{FF2B5EF4-FFF2-40B4-BE49-F238E27FC236}">
-                <a16:creationId xmlns:a16="http://schemas.microsoft.com/office/drawing/2014/main" id="{0EAE5712-5082-4462-8EBC-2FC33937AFCC}"/>
+          <p:cNvPr id="29" name="그림 28">
+            <a:extLst>
+              <a:ext uri="{FF2B5EF4-FFF2-40B4-BE49-F238E27FC236}">
+                <a16:creationId xmlns:a16="http://schemas.microsoft.com/office/drawing/2014/main" id="{0D880765-D65C-4DF3-8567-0C6D4DE02FCA}"/>
               </a:ext>
             </a:extLst>
           </p:cNvPr>
@@ -4954,8 +4998,8 @@
         </p:blipFill>
         <p:spPr>
           <a:xfrm>
-            <a:off x="590919" y="1085875"/>
-            <a:ext cx="6396275" cy="3563956"/>
+            <a:off x="590917" y="2695937"/>
+            <a:ext cx="6376440" cy="3563955"/>
           </a:xfrm>
           <a:prstGeom prst="rect">
             <a:avLst/>
@@ -4964,10 +5008,10 @@
       </p:pic>
       <p:grpSp>
         <p:nvGrpSpPr>
-          <p:cNvPr id="22" name="그룹 21">
-            <a:extLst>
-              <a:ext uri="{FF2B5EF4-FFF2-40B4-BE49-F238E27FC236}">
-                <a16:creationId xmlns:a16="http://schemas.microsoft.com/office/drawing/2014/main" id="{FB0260A8-8594-4651-A6BF-2708236303A1}"/>
+          <p:cNvPr id="14" name="그룹 13">
+            <a:extLst>
+              <a:ext uri="{FF2B5EF4-FFF2-40B4-BE49-F238E27FC236}">
+                <a16:creationId xmlns:a16="http://schemas.microsoft.com/office/drawing/2014/main" id="{826F4987-80C7-4744-B6B1-DC31D8EDCD63}"/>
               </a:ext>
             </a:extLst>
           </p:cNvPr>
@@ -4976,18 +5020,18 @@
         </p:nvGrpSpPr>
         <p:grpSpPr>
           <a:xfrm>
-            <a:off x="6204282" y="3669026"/>
-            <a:ext cx="425116" cy="326648"/>
-            <a:chOff x="6170726" y="3780945"/>
-            <a:chExt cx="425116" cy="326648"/>
+            <a:off x="8783273" y="2807857"/>
+            <a:ext cx="1476462" cy="1451296"/>
+            <a:chOff x="8783273" y="1197794"/>
+            <a:chExt cx="1476462" cy="1451296"/>
           </a:xfrm>
         </p:grpSpPr>
         <p:sp>
           <p:nvSpPr>
-            <p:cNvPr id="18" name="직사각형 17">
+            <p:cNvPr id="6" name="직사각형 5">
               <a:extLst>
                 <a:ext uri="{FF2B5EF4-FFF2-40B4-BE49-F238E27FC236}">
-                  <a16:creationId xmlns:a16="http://schemas.microsoft.com/office/drawing/2014/main" id="{A42D10F0-7CB8-4E38-8022-F9EFE58443B7}"/>
+                  <a16:creationId xmlns:a16="http://schemas.microsoft.com/office/drawing/2014/main" id="{186F62CA-9177-4A27-AF8E-2D49B3D39476}"/>
                 </a:ext>
               </a:extLst>
             </p:cNvPr>
@@ -4996,18 +5040,18 @@
           </p:nvSpPr>
           <p:spPr>
             <a:xfrm>
-              <a:off x="6241408" y="3839145"/>
-              <a:ext cx="268448" cy="268448"/>
+              <a:off x="8783273" y="1390741"/>
+              <a:ext cx="1258349" cy="1258349"/>
             </a:xfrm>
             <a:prstGeom prst="rect">
               <a:avLst/>
             </a:prstGeom>
             <a:solidFill>
-              <a:schemeClr val="accent2"/>
+              <a:srgbClr val="4B4B4B"/>
             </a:solidFill>
-            <a:ln>
+            <a:ln w="38100">
               <a:solidFill>
-                <a:srgbClr val="FF0000"/>
+                <a:srgbClr val="827466"/>
               </a:solidFill>
             </a:ln>
           </p:spPr>
@@ -5032,16 +5076,20 @@
             <a:lstStyle/>
             <a:p>
               <a:pPr algn="ctr"/>
-              <a:endParaRPr lang="ko-KR" altLang="en-US"/>
+              <a:r>
+                <a:rPr lang="en-US" altLang="ko-KR" sz="3200" dirty="0"/>
+                <a:t>0</a:t>
+              </a:r>
+              <a:endParaRPr lang="ko-KR" altLang="en-US" dirty="0"/>
             </a:p>
           </p:txBody>
         </p:sp>
         <p:sp>
           <p:nvSpPr>
-            <p:cNvPr id="19" name="타원 18">
+            <p:cNvPr id="13" name="타원 12">
               <a:extLst>
                 <a:ext uri="{FF2B5EF4-FFF2-40B4-BE49-F238E27FC236}">
-                  <a16:creationId xmlns:a16="http://schemas.microsoft.com/office/drawing/2014/main" id="{1F0B71C5-2F17-4A77-88A4-8EB029408273}"/>
+                  <a16:creationId xmlns:a16="http://schemas.microsoft.com/office/drawing/2014/main" id="{9C03AEA6-4E41-4C9A-A6B8-649C18033FA7}"/>
                 </a:ext>
               </a:extLst>
             </p:cNvPr>
@@ -5050,20 +5098,21 @@
           </p:nvSpPr>
           <p:spPr>
             <a:xfrm>
-              <a:off x="6455327" y="3780945"/>
-              <a:ext cx="109057" cy="109057"/>
+              <a:off x="9823508" y="1197794"/>
+              <a:ext cx="436227" cy="436227"/>
             </a:xfrm>
             <a:prstGeom prst="ellipse">
               <a:avLst/>
             </a:prstGeom>
             <a:solidFill>
-              <a:schemeClr val="bg1">
-                <a:lumMod val="75000"/>
+              <a:schemeClr val="tx1">
+                <a:lumMod val="95000"/>
+                <a:lumOff val="5000"/>
               </a:schemeClr>
             </a:solidFill>
             <a:ln>
               <a:solidFill>
-                <a:schemeClr val="tx1"/>
+                <a:srgbClr val="827466"/>
               </a:solidFill>
             </a:ln>
           </p:spPr>
@@ -5088,16 +5137,1029 @@
             <a:lstStyle/>
             <a:p>
               <a:pPr algn="ctr"/>
-              <a:endParaRPr lang="ko-KR" altLang="en-US"/>
+              <a:r>
+                <a:rPr lang="en-US" altLang="ko-KR" dirty="0"/>
+                <a:t>n</a:t>
+              </a:r>
+              <a:endParaRPr lang="ko-KR" altLang="en-US" dirty="0"/>
             </a:p>
           </p:txBody>
         </p:sp>
+      </p:grpSp>
+      <p:sp>
+        <p:nvSpPr>
+          <p:cNvPr id="15" name="직사각형 14">
+            <a:extLst>
+              <a:ext uri="{FF2B5EF4-FFF2-40B4-BE49-F238E27FC236}">
+                <a16:creationId xmlns:a16="http://schemas.microsoft.com/office/drawing/2014/main" id="{8069C595-44E3-4F0F-8423-4059888D1B32}"/>
+              </a:ext>
+            </a:extLst>
+          </p:cNvPr>
+          <p:cNvSpPr/>
+          <p:nvPr/>
+        </p:nvSpPr>
+        <p:spPr>
+          <a:xfrm>
+            <a:off x="6123963" y="5195616"/>
+            <a:ext cx="973123" cy="533350"/>
+          </a:xfrm>
+          <a:prstGeom prst="rect">
+            <a:avLst/>
+          </a:prstGeom>
+          <a:noFill/>
+          <a:ln w="38100">
+            <a:solidFill>
+              <a:schemeClr val="accent2"/>
+            </a:solidFill>
+          </a:ln>
+        </p:spPr>
+        <p:style>
+          <a:lnRef idx="2">
+            <a:schemeClr val="accent1">
+              <a:shade val="50000"/>
+            </a:schemeClr>
+          </a:lnRef>
+          <a:fillRef idx="1">
+            <a:schemeClr val="accent1"/>
+          </a:fillRef>
+          <a:effectRef idx="0">
+            <a:schemeClr val="accent1"/>
+          </a:effectRef>
+          <a:fontRef idx="minor">
+            <a:schemeClr val="lt1"/>
+          </a:fontRef>
+        </p:style>
+        <p:txBody>
+          <a:bodyPr rtlCol="0" anchor="ctr"/>
+          <a:lstStyle/>
+          <a:p>
+            <a:pPr algn="ctr"/>
+            <a:endParaRPr lang="ko-KR" altLang="en-US"/>
+          </a:p>
+        </p:txBody>
+      </p:sp>
+      <p:cxnSp>
+        <p:nvCxnSpPr>
+          <p:cNvPr id="18" name="연결선: 꺾임 17">
+            <a:extLst>
+              <a:ext uri="{FF2B5EF4-FFF2-40B4-BE49-F238E27FC236}">
+                <a16:creationId xmlns:a16="http://schemas.microsoft.com/office/drawing/2014/main" id="{D948B56E-A175-4AAA-A508-0C974F2AE56C}"/>
+              </a:ext>
+            </a:extLst>
+          </p:cNvPr>
+          <p:cNvCxnSpPr>
+            <a:stCxn id="15" idx="0"/>
+            <a:endCxn id="6" idx="1"/>
+          </p:cNvCxnSpPr>
+          <p:nvPr/>
+        </p:nvCxnSpPr>
+        <p:spPr>
+          <a:xfrm rot="5400000" flipH="1" flipV="1">
+            <a:off x="6914081" y="3326424"/>
+            <a:ext cx="1565637" cy="2172748"/>
+          </a:xfrm>
+          <a:prstGeom prst="bentConnector2">
+            <a:avLst/>
+          </a:prstGeom>
+          <a:ln w="38100">
+            <a:solidFill>
+              <a:schemeClr val="accent2"/>
+            </a:solidFill>
+            <a:tailEnd type="triangle"/>
+          </a:ln>
+        </p:spPr>
+        <p:style>
+          <a:lnRef idx="1">
+            <a:schemeClr val="accent1"/>
+          </a:lnRef>
+          <a:fillRef idx="0">
+            <a:schemeClr val="accent1"/>
+          </a:fillRef>
+          <a:effectRef idx="0">
+            <a:schemeClr val="accent1"/>
+          </a:effectRef>
+          <a:fontRef idx="minor">
+            <a:schemeClr val="tx1"/>
+          </a:fontRef>
+        </p:style>
+      </p:cxnSp>
+      <p:sp>
+        <p:nvSpPr>
+          <p:cNvPr id="19" name="TextBox 18">
+            <a:extLst>
+              <a:ext uri="{FF2B5EF4-FFF2-40B4-BE49-F238E27FC236}">
+                <a16:creationId xmlns:a16="http://schemas.microsoft.com/office/drawing/2014/main" id="{D7B86BC2-7171-40E1-B14E-22D1611A9180}"/>
+              </a:ext>
+            </a:extLst>
+          </p:cNvPr>
+          <p:cNvSpPr txBox="1"/>
+          <p:nvPr/>
+        </p:nvSpPr>
+        <p:spPr>
+          <a:xfrm>
+            <a:off x="7046752" y="4557394"/>
+            <a:ext cx="2055371" cy="369332"/>
+          </a:xfrm>
+          <a:prstGeom prst="rect">
+            <a:avLst/>
+          </a:prstGeom>
+          <a:solidFill>
+            <a:schemeClr val="bg1"/>
+          </a:solidFill>
+          <a:ln w="38100">
+            <a:solidFill>
+              <a:srgbClr val="FF0000"/>
+            </a:solidFill>
+          </a:ln>
+        </p:spPr>
+        <p:txBody>
+          <a:bodyPr wrap="none" rtlCol="0">
+            <a:spAutoFit/>
+          </a:bodyPr>
+          <a:lstStyle/>
+          <a:p>
+            <a:r>
+              <a:rPr lang="en-US" altLang="ko-KR" dirty="0"/>
+              <a:t>Skill1 = </a:t>
+            </a:r>
+            <a:r>
+              <a:rPr lang="en-US" altLang="ko-KR" b="1" dirty="0">
+                <a:solidFill>
+                  <a:schemeClr val="accent1"/>
+                </a:solidFill>
+              </a:rPr>
+              <a:t>Skill_icon</a:t>
+            </a:r>
+            <a:endParaRPr lang="ko-KR" altLang="en-US" b="1" dirty="0">
+              <a:solidFill>
+                <a:schemeClr val="accent1"/>
+              </a:solidFill>
+            </a:endParaRPr>
+          </a:p>
+        </p:txBody>
+      </p:sp>
+      <p:cxnSp>
+        <p:nvCxnSpPr>
+          <p:cNvPr id="36" name="연결선: 꺾임 35">
+            <a:extLst>
+              <a:ext uri="{FF2B5EF4-FFF2-40B4-BE49-F238E27FC236}">
+                <a16:creationId xmlns:a16="http://schemas.microsoft.com/office/drawing/2014/main" id="{C6E9A559-2158-4772-B8BD-44AFAE4ED7EE}"/>
+              </a:ext>
+            </a:extLst>
+          </p:cNvPr>
+          <p:cNvCxnSpPr>
+            <a:cxnSpLocks/>
+            <a:endCxn id="19" idx="0"/>
+          </p:cNvCxnSpPr>
+          <p:nvPr/>
+        </p:nvCxnSpPr>
+        <p:spPr>
+          <a:xfrm rot="10800000" flipV="1">
+            <a:off x="8074438" y="4042544"/>
+            <a:ext cx="939534" cy="514850"/>
+          </a:xfrm>
+          <a:prstGeom prst="bentConnector2">
+            <a:avLst/>
+          </a:prstGeom>
+          <a:ln w="38100">
+            <a:solidFill>
+              <a:srgbClr val="FF0000"/>
+            </a:solidFill>
+            <a:tailEnd type="triangle"/>
+          </a:ln>
+        </p:spPr>
+        <p:style>
+          <a:lnRef idx="1">
+            <a:schemeClr val="accent1"/>
+          </a:lnRef>
+          <a:fillRef idx="0">
+            <a:schemeClr val="accent1"/>
+          </a:fillRef>
+          <a:effectRef idx="0">
+            <a:schemeClr val="accent1"/>
+          </a:effectRef>
+          <a:fontRef idx="minor">
+            <a:schemeClr val="tx1"/>
+          </a:fontRef>
+        </p:style>
+      </p:cxnSp>
+      <p:sp>
+        <p:nvSpPr>
+          <p:cNvPr id="38" name="TextBox 37">
+            <a:extLst>
+              <a:ext uri="{FF2B5EF4-FFF2-40B4-BE49-F238E27FC236}">
+                <a16:creationId xmlns:a16="http://schemas.microsoft.com/office/drawing/2014/main" id="{AF83163E-F585-44A6-A28B-970B51DA0D0A}"/>
+              </a:ext>
+            </a:extLst>
+          </p:cNvPr>
+          <p:cNvSpPr txBox="1"/>
+          <p:nvPr/>
+        </p:nvSpPr>
+        <p:spPr>
+          <a:xfrm>
+            <a:off x="8783273" y="2062307"/>
+            <a:ext cx="3243004" cy="369332"/>
+          </a:xfrm>
+          <a:prstGeom prst="rect">
+            <a:avLst/>
+          </a:prstGeom>
+          <a:solidFill>
+            <a:schemeClr val="bg1"/>
+          </a:solidFill>
+          <a:ln w="38100">
+            <a:solidFill>
+              <a:srgbClr val="FF0000"/>
+            </a:solidFill>
+          </a:ln>
+        </p:spPr>
+        <p:txBody>
+          <a:bodyPr wrap="none" rtlCol="0">
+            <a:spAutoFit/>
+          </a:bodyPr>
+          <a:lstStyle/>
+          <a:p>
+            <a:r>
+              <a:rPr lang="en-US" altLang="ko-KR" dirty="0"/>
+              <a:t>Skill_keyText = </a:t>
+            </a:r>
+            <a:r>
+              <a:rPr lang="ko-KR" altLang="en-US" b="1" dirty="0">
+                <a:solidFill>
+                  <a:schemeClr val="accent6"/>
+                </a:solidFill>
+              </a:rPr>
+              <a:t>지정된 단축키</a:t>
+            </a:r>
+          </a:p>
+        </p:txBody>
+      </p:sp>
+      <p:cxnSp>
+        <p:nvCxnSpPr>
+          <p:cNvPr id="39" name="연결선: 꺾임 38">
+            <a:extLst>
+              <a:ext uri="{FF2B5EF4-FFF2-40B4-BE49-F238E27FC236}">
+                <a16:creationId xmlns:a16="http://schemas.microsoft.com/office/drawing/2014/main" id="{7A5C71D8-574D-496E-AF90-50956CFFA241}"/>
+              </a:ext>
+            </a:extLst>
+          </p:cNvPr>
+          <p:cNvCxnSpPr>
+            <a:cxnSpLocks/>
+            <a:endCxn id="38" idx="2"/>
+          </p:cNvCxnSpPr>
+          <p:nvPr/>
+        </p:nvCxnSpPr>
+        <p:spPr>
+          <a:xfrm rot="5400000" flipH="1" flipV="1">
+            <a:off x="9972000" y="2501264"/>
+            <a:ext cx="502399" cy="363151"/>
+          </a:xfrm>
+          <a:prstGeom prst="bentConnector3">
+            <a:avLst>
+              <a:gd name="adj1" fmla="val 50000"/>
+            </a:avLst>
+          </a:prstGeom>
+          <a:ln w="38100">
+            <a:solidFill>
+              <a:srgbClr val="FF0000"/>
+            </a:solidFill>
+            <a:tailEnd type="triangle"/>
+          </a:ln>
+        </p:spPr>
+        <p:style>
+          <a:lnRef idx="1">
+            <a:schemeClr val="accent1"/>
+          </a:lnRef>
+          <a:fillRef idx="0">
+            <a:schemeClr val="accent1"/>
+          </a:fillRef>
+          <a:effectRef idx="0">
+            <a:schemeClr val="accent1"/>
+          </a:effectRef>
+          <a:fontRef idx="minor">
+            <a:schemeClr val="tx1"/>
+          </a:fontRef>
+        </p:style>
+      </p:cxnSp>
+      <p:cxnSp>
+        <p:nvCxnSpPr>
+          <p:cNvPr id="50" name="연결선: 꺾임 49">
+            <a:extLst>
+              <a:ext uri="{FF2B5EF4-FFF2-40B4-BE49-F238E27FC236}">
+                <a16:creationId xmlns:a16="http://schemas.microsoft.com/office/drawing/2014/main" id="{D634121E-1EFA-4186-924C-940BEBBDA264}"/>
+              </a:ext>
+            </a:extLst>
+          </p:cNvPr>
+          <p:cNvCxnSpPr>
+            <a:cxnSpLocks/>
+            <a:endCxn id="52" idx="0"/>
+          </p:cNvCxnSpPr>
+          <p:nvPr/>
+        </p:nvCxnSpPr>
+        <p:spPr>
+          <a:xfrm rot="16200000" flipH="1">
+            <a:off x="9263834" y="4057457"/>
+            <a:ext cx="1315232" cy="1021502"/>
+          </a:xfrm>
+          <a:prstGeom prst="bentConnector3">
+            <a:avLst>
+              <a:gd name="adj1" fmla="val 50000"/>
+            </a:avLst>
+          </a:prstGeom>
+          <a:ln w="38100">
+            <a:solidFill>
+              <a:srgbClr val="FF0000"/>
+            </a:solidFill>
+            <a:tailEnd type="triangle"/>
+          </a:ln>
+        </p:spPr>
+        <p:style>
+          <a:lnRef idx="1">
+            <a:schemeClr val="accent1"/>
+          </a:lnRef>
+          <a:fillRef idx="0">
+            <a:schemeClr val="accent1"/>
+          </a:fillRef>
+          <a:effectRef idx="0">
+            <a:schemeClr val="accent1"/>
+          </a:effectRef>
+          <a:fontRef idx="minor">
+            <a:schemeClr val="tx1"/>
+          </a:fontRef>
+        </p:style>
+      </p:cxnSp>
+      <p:sp>
+        <p:nvSpPr>
+          <p:cNvPr id="52" name="TextBox 51">
+            <a:extLst>
+              <a:ext uri="{FF2B5EF4-FFF2-40B4-BE49-F238E27FC236}">
+                <a16:creationId xmlns:a16="http://schemas.microsoft.com/office/drawing/2014/main" id="{ADFF04A3-FABB-453A-B4C4-8F0F75353EF9}"/>
+              </a:ext>
+            </a:extLst>
+          </p:cNvPr>
+          <p:cNvSpPr txBox="1"/>
+          <p:nvPr/>
+        </p:nvSpPr>
+        <p:spPr>
+          <a:xfrm>
+            <a:off x="8796272" y="5225824"/>
+            <a:ext cx="3271858" cy="861774"/>
+          </a:xfrm>
+          <a:prstGeom prst="rect">
+            <a:avLst/>
+          </a:prstGeom>
+          <a:solidFill>
+            <a:schemeClr val="bg1"/>
+          </a:solidFill>
+          <a:ln w="38100">
+            <a:solidFill>
+              <a:srgbClr val="FF0000"/>
+            </a:solidFill>
+          </a:ln>
+        </p:spPr>
+        <p:txBody>
+          <a:bodyPr wrap="none" rtlCol="0">
+            <a:spAutoFit/>
+          </a:bodyPr>
+          <a:lstStyle/>
+          <a:p>
+            <a:r>
+              <a:rPr lang="en-US" altLang="ko-KR" dirty="0"/>
+              <a:t>1. Skill_keyText = </a:t>
+            </a:r>
+            <a:r>
+              <a:rPr lang="ko-KR" altLang="en-US" b="1" dirty="0">
+                <a:solidFill>
+                  <a:srgbClr val="92D050"/>
+                </a:solidFill>
+              </a:rPr>
+              <a:t>스킬 충전량</a:t>
+            </a:r>
+            <a:br>
+              <a:rPr lang="en-US" altLang="ko-KR" dirty="0"/>
+            </a:br>
+            <a:r>
+              <a:rPr lang="en-US" altLang="ko-KR" sz="1600" dirty="0"/>
+              <a:t>    </a:t>
+            </a:r>
+            <a:r>
+              <a:rPr lang="ko-KR" altLang="en-US" sz="1600" dirty="0"/>
+              <a:t>ㄴ 최대값 </a:t>
+            </a:r>
+            <a:r>
+              <a:rPr lang="en-US" altLang="ko-KR" sz="1600" dirty="0"/>
+              <a:t>= </a:t>
+            </a:r>
+            <a:r>
+              <a:rPr lang="en-US" altLang="ko-KR" sz="1600" b="1" dirty="0">
+                <a:solidFill>
+                  <a:schemeClr val="accent1"/>
+                </a:solidFill>
+              </a:rPr>
+              <a:t>Max_Charge</a:t>
+            </a:r>
+            <a:endParaRPr lang="en-US" altLang="ko-KR" sz="1600" dirty="0"/>
+          </a:p>
+          <a:p>
+            <a:r>
+              <a:rPr lang="ko-KR" altLang="en-US" sz="1600" dirty="0"/>
+              <a:t>    ㄴ 최소값 </a:t>
+            </a:r>
+            <a:r>
+              <a:rPr lang="en-US" altLang="ko-KR" sz="1600" dirty="0"/>
+              <a:t>= 0</a:t>
+            </a:r>
+            <a:endParaRPr lang="ko-KR" altLang="en-US" sz="1600" dirty="0"/>
+          </a:p>
+        </p:txBody>
+      </p:sp>
+      <p:sp>
+        <p:nvSpPr>
+          <p:cNvPr id="59" name="TextBox 58">
+            <a:extLst>
+              <a:ext uri="{FF2B5EF4-FFF2-40B4-BE49-F238E27FC236}">
+                <a16:creationId xmlns:a16="http://schemas.microsoft.com/office/drawing/2014/main" id="{0858F17D-E467-4413-9E3A-9104EDA5B717}"/>
+              </a:ext>
+            </a:extLst>
+          </p:cNvPr>
+          <p:cNvSpPr txBox="1"/>
+          <p:nvPr/>
+        </p:nvSpPr>
+        <p:spPr>
+          <a:xfrm>
+            <a:off x="2713754" y="1113759"/>
+            <a:ext cx="1370503" cy="646331"/>
+          </a:xfrm>
+          <a:prstGeom prst="rect">
+            <a:avLst/>
+          </a:prstGeom>
+          <a:solidFill>
+            <a:schemeClr val="bg1"/>
+          </a:solidFill>
+          <a:ln w="38100">
+            <a:noFill/>
+          </a:ln>
+        </p:spPr>
+        <p:txBody>
+          <a:bodyPr wrap="none" rtlCol="0">
+            <a:spAutoFit/>
+          </a:bodyPr>
+          <a:lstStyle/>
+          <a:p>
+            <a:r>
+              <a:rPr lang="en-US" altLang="ko-KR" dirty="0"/>
+              <a:t>Text = </a:t>
+            </a:r>
+            <a:r>
+              <a:rPr lang="en-US" altLang="ko-KR" b="1" dirty="0">
+                <a:solidFill>
+                  <a:schemeClr val="accent6"/>
+                </a:solidFill>
+              </a:rPr>
+              <a:t>Text</a:t>
+            </a:r>
+            <a:br>
+              <a:rPr lang="en-US" altLang="ko-KR" b="1" dirty="0">
+                <a:solidFill>
+                  <a:schemeClr val="accent6"/>
+                </a:solidFill>
+              </a:rPr>
+            </a:br>
+            <a:r>
+              <a:rPr lang="en-US" altLang="ko-KR" b="1" dirty="0">
+                <a:solidFill>
+                  <a:schemeClr val="accent6"/>
+                </a:solidFill>
+              </a:rPr>
+              <a:t>         </a:t>
+            </a:r>
+            <a:r>
+              <a:rPr lang="en-US" altLang="ko-KR" b="1" dirty="0">
+                <a:solidFill>
+                  <a:schemeClr val="accent1"/>
+                </a:solidFill>
+              </a:rPr>
+              <a:t>Text</a:t>
+            </a:r>
+            <a:endParaRPr lang="ko-KR" altLang="en-US" b="1" dirty="0">
+              <a:solidFill>
+                <a:schemeClr val="accent1"/>
+              </a:solidFill>
+            </a:endParaRPr>
+          </a:p>
+        </p:txBody>
+      </p:sp>
+      <p:sp>
+        <p:nvSpPr>
+          <p:cNvPr id="60" name="TextBox 59">
+            <a:extLst>
+              <a:ext uri="{FF2B5EF4-FFF2-40B4-BE49-F238E27FC236}">
+                <a16:creationId xmlns:a16="http://schemas.microsoft.com/office/drawing/2014/main" id="{ACF1D0AF-B639-409C-BC8F-F9DE06B250FA}"/>
+              </a:ext>
+            </a:extLst>
+          </p:cNvPr>
+          <p:cNvSpPr txBox="1"/>
+          <p:nvPr/>
+        </p:nvSpPr>
+        <p:spPr>
+          <a:xfrm>
+            <a:off x="2802476" y="2037932"/>
+            <a:ext cx="1420582" cy="369332"/>
+          </a:xfrm>
+          <a:prstGeom prst="rect">
+            <a:avLst/>
+          </a:prstGeom>
+          <a:solidFill>
+            <a:schemeClr val="bg1"/>
+          </a:solidFill>
+          <a:ln w="38100">
+            <a:solidFill>
+              <a:srgbClr val="FF0000"/>
+            </a:solidFill>
+          </a:ln>
+        </p:spPr>
+        <p:txBody>
+          <a:bodyPr wrap="none" rtlCol="0">
+            <a:spAutoFit/>
+          </a:bodyPr>
+          <a:lstStyle/>
+          <a:p>
+            <a:r>
+              <a:rPr lang="ko-KR" altLang="en-US" dirty="0"/>
+              <a:t>오브젝트 명</a:t>
+            </a:r>
+            <a:endParaRPr lang="ko-KR" altLang="en-US" b="1" dirty="0">
+              <a:solidFill>
+                <a:schemeClr val="accent6"/>
+              </a:solidFill>
+            </a:endParaRPr>
+          </a:p>
+        </p:txBody>
+      </p:sp>
+      <p:sp>
+        <p:nvSpPr>
+          <p:cNvPr id="64" name="TextBox 63">
+            <a:extLst>
+              <a:ext uri="{FF2B5EF4-FFF2-40B4-BE49-F238E27FC236}">
+                <a16:creationId xmlns:a16="http://schemas.microsoft.com/office/drawing/2014/main" id="{396DBC0F-DE9D-4E31-9AE3-1E286362A0C9}"/>
+              </a:ext>
+            </a:extLst>
+          </p:cNvPr>
+          <p:cNvSpPr txBox="1"/>
+          <p:nvPr/>
+        </p:nvSpPr>
+        <p:spPr>
+          <a:xfrm>
+            <a:off x="5208398" y="919270"/>
+            <a:ext cx="1189749" cy="369332"/>
+          </a:xfrm>
+          <a:prstGeom prst="rect">
+            <a:avLst/>
+          </a:prstGeom>
+          <a:solidFill>
+            <a:schemeClr val="bg1"/>
+          </a:solidFill>
+          <a:ln w="38100">
+            <a:solidFill>
+              <a:srgbClr val="92D050"/>
+            </a:solidFill>
+          </a:ln>
+        </p:spPr>
+        <p:txBody>
+          <a:bodyPr wrap="none" rtlCol="0">
+            <a:spAutoFit/>
+          </a:bodyPr>
+          <a:lstStyle/>
+          <a:p>
+            <a:r>
+              <a:rPr lang="ko-KR" altLang="en-US" dirty="0"/>
+              <a:t>추가</a:t>
+            </a:r>
+            <a:r>
+              <a:rPr lang="en-US" altLang="ko-KR" dirty="0"/>
+              <a:t> </a:t>
+            </a:r>
+            <a:r>
+              <a:rPr lang="ko-KR" altLang="en-US" dirty="0"/>
+              <a:t>변수</a:t>
+            </a:r>
+            <a:endParaRPr lang="ko-KR" altLang="en-US" b="1" dirty="0">
+              <a:solidFill>
+                <a:schemeClr val="accent6"/>
+              </a:solidFill>
+            </a:endParaRPr>
+          </a:p>
+        </p:txBody>
+      </p:sp>
+      <p:cxnSp>
+        <p:nvCxnSpPr>
+          <p:cNvPr id="47" name="연결선: 꺾임 46">
+            <a:extLst>
+              <a:ext uri="{FF2B5EF4-FFF2-40B4-BE49-F238E27FC236}">
+                <a16:creationId xmlns:a16="http://schemas.microsoft.com/office/drawing/2014/main" id="{7C18A223-94B6-426A-8F50-50708DEF8A15}"/>
+              </a:ext>
+            </a:extLst>
+          </p:cNvPr>
+          <p:cNvCxnSpPr>
+            <a:cxnSpLocks/>
+            <a:endCxn id="60" idx="1"/>
+          </p:cNvCxnSpPr>
+          <p:nvPr/>
+        </p:nvCxnSpPr>
+        <p:spPr>
+          <a:xfrm rot="5400000">
+            <a:off x="2510537" y="1724472"/>
+            <a:ext cx="790065" cy="206186"/>
+          </a:xfrm>
+          <a:prstGeom prst="bentConnector4">
+            <a:avLst>
+              <a:gd name="adj1" fmla="val 38313"/>
+              <a:gd name="adj2" fmla="val 210871"/>
+            </a:avLst>
+          </a:prstGeom>
+          <a:ln w="28575">
+            <a:solidFill>
+              <a:srgbClr val="FF0000"/>
+            </a:solidFill>
+            <a:tailEnd type="triangle"/>
+          </a:ln>
+        </p:spPr>
+        <p:style>
+          <a:lnRef idx="1">
+            <a:schemeClr val="accent1"/>
+          </a:lnRef>
+          <a:fillRef idx="0">
+            <a:schemeClr val="accent1"/>
+          </a:fillRef>
+          <a:effectRef idx="0">
+            <a:schemeClr val="accent1"/>
+          </a:effectRef>
+          <a:fontRef idx="minor">
+            <a:schemeClr val="tx1"/>
+          </a:fontRef>
+        </p:style>
+      </p:cxnSp>
+      <p:sp>
+        <p:nvSpPr>
+          <p:cNvPr id="66" name="TextBox 65">
+            <a:extLst>
+              <a:ext uri="{FF2B5EF4-FFF2-40B4-BE49-F238E27FC236}">
+                <a16:creationId xmlns:a16="http://schemas.microsoft.com/office/drawing/2014/main" id="{9C754553-EDD3-42DC-B77B-7C7CC7E66C97}"/>
+              </a:ext>
+            </a:extLst>
+          </p:cNvPr>
+          <p:cNvSpPr txBox="1"/>
+          <p:nvPr/>
+        </p:nvSpPr>
+        <p:spPr>
+          <a:xfrm>
+            <a:off x="4821274" y="1777427"/>
+            <a:ext cx="1963999" cy="369332"/>
+          </a:xfrm>
+          <a:prstGeom prst="rect">
+            <a:avLst/>
+          </a:prstGeom>
+          <a:solidFill>
+            <a:schemeClr val="bg1"/>
+          </a:solidFill>
+          <a:ln w="38100">
+            <a:solidFill>
+              <a:schemeClr val="accent1"/>
+            </a:solidFill>
+          </a:ln>
+        </p:spPr>
+        <p:txBody>
+          <a:bodyPr wrap="none" rtlCol="0">
+            <a:spAutoFit/>
+          </a:bodyPr>
+          <a:lstStyle/>
+          <a:p>
+            <a:r>
+              <a:rPr lang="ko-KR" altLang="en-US" dirty="0"/>
+              <a:t>데이터 테이블 값</a:t>
+            </a:r>
+            <a:endParaRPr lang="ko-KR" altLang="en-US" b="1" dirty="0">
+              <a:solidFill>
+                <a:schemeClr val="accent6"/>
+              </a:solidFill>
+            </a:endParaRPr>
+          </a:p>
+        </p:txBody>
+      </p:sp>
+      <p:cxnSp>
+        <p:nvCxnSpPr>
+          <p:cNvPr id="68" name="연결선: 꺾임 67">
+            <a:extLst>
+              <a:ext uri="{FF2B5EF4-FFF2-40B4-BE49-F238E27FC236}">
+                <a16:creationId xmlns:a16="http://schemas.microsoft.com/office/drawing/2014/main" id="{79201755-AF68-455C-B0B0-87F4DD108E36}"/>
+              </a:ext>
+            </a:extLst>
+          </p:cNvPr>
+          <p:cNvCxnSpPr>
+            <a:cxnSpLocks/>
+            <a:endCxn id="64" idx="1"/>
+          </p:cNvCxnSpPr>
+          <p:nvPr/>
+        </p:nvCxnSpPr>
+        <p:spPr>
+          <a:xfrm flipV="1">
+            <a:off x="4081295" y="1103936"/>
+            <a:ext cx="1127103" cy="184442"/>
+          </a:xfrm>
+          <a:prstGeom prst="bentConnector3">
+            <a:avLst>
+              <a:gd name="adj1" fmla="val 50000"/>
+            </a:avLst>
+          </a:prstGeom>
+          <a:ln w="28575">
+            <a:solidFill>
+              <a:srgbClr val="92D050"/>
+            </a:solidFill>
+            <a:tailEnd type="triangle"/>
+          </a:ln>
+        </p:spPr>
+        <p:style>
+          <a:lnRef idx="1">
+            <a:schemeClr val="accent1"/>
+          </a:lnRef>
+          <a:fillRef idx="0">
+            <a:schemeClr val="accent1"/>
+          </a:fillRef>
+          <a:effectRef idx="0">
+            <a:schemeClr val="accent1"/>
+          </a:effectRef>
+          <a:fontRef idx="minor">
+            <a:schemeClr val="tx1"/>
+          </a:fontRef>
+        </p:style>
+      </p:cxnSp>
+      <p:cxnSp>
+        <p:nvCxnSpPr>
+          <p:cNvPr id="69" name="연결선: 꺾임 68">
+            <a:extLst>
+              <a:ext uri="{FF2B5EF4-FFF2-40B4-BE49-F238E27FC236}">
+                <a16:creationId xmlns:a16="http://schemas.microsoft.com/office/drawing/2014/main" id="{2F8C4B74-641B-4C42-A44E-5940C31FCF63}"/>
+              </a:ext>
+            </a:extLst>
+          </p:cNvPr>
+          <p:cNvCxnSpPr>
+            <a:cxnSpLocks/>
+            <a:endCxn id="66" idx="1"/>
+          </p:cNvCxnSpPr>
+          <p:nvPr/>
+        </p:nvCxnSpPr>
+        <p:spPr>
+          <a:xfrm>
+            <a:off x="4081295" y="1592083"/>
+            <a:ext cx="739979" cy="370010"/>
+          </a:xfrm>
+          <a:prstGeom prst="bentConnector3">
+            <a:avLst>
+              <a:gd name="adj1" fmla="val 50000"/>
+            </a:avLst>
+          </a:prstGeom>
+          <a:ln w="28575">
+            <a:solidFill>
+              <a:schemeClr val="accent1"/>
+            </a:solidFill>
+            <a:tailEnd type="triangle"/>
+          </a:ln>
+        </p:spPr>
+        <p:style>
+          <a:lnRef idx="1">
+            <a:schemeClr val="accent1"/>
+          </a:lnRef>
+          <a:fillRef idx="0">
+            <a:schemeClr val="accent1"/>
+          </a:fillRef>
+          <a:effectRef idx="0">
+            <a:schemeClr val="accent1"/>
+          </a:effectRef>
+          <a:fontRef idx="minor">
+            <a:schemeClr val="tx1"/>
+          </a:fontRef>
+        </p:style>
+      </p:cxnSp>
+      <p:sp>
+        <p:nvSpPr>
+          <p:cNvPr id="71" name="직사각형 70">
+            <a:extLst>
+              <a:ext uri="{FF2B5EF4-FFF2-40B4-BE49-F238E27FC236}">
+                <a16:creationId xmlns:a16="http://schemas.microsoft.com/office/drawing/2014/main" id="{359210A2-9C8B-461B-A7DF-46D901076735}"/>
+              </a:ext>
+            </a:extLst>
+          </p:cNvPr>
+          <p:cNvSpPr/>
+          <p:nvPr/>
+        </p:nvSpPr>
+        <p:spPr>
+          <a:xfrm>
+            <a:off x="2621511" y="534141"/>
+            <a:ext cx="1247775" cy="461260"/>
+          </a:xfrm>
+          <a:prstGeom prst="rect">
+            <a:avLst/>
+          </a:prstGeom>
+          <a:solidFill>
+            <a:schemeClr val="bg1"/>
+          </a:solidFill>
+          <a:ln w="28575">
+            <a:solidFill>
+              <a:schemeClr val="tx1"/>
+            </a:solidFill>
+          </a:ln>
+        </p:spPr>
+        <p:style>
+          <a:lnRef idx="2">
+            <a:schemeClr val="accent1">
+              <a:shade val="50000"/>
+            </a:schemeClr>
+          </a:lnRef>
+          <a:fillRef idx="1">
+            <a:schemeClr val="accent1"/>
+          </a:fillRef>
+          <a:effectRef idx="0">
+            <a:schemeClr val="accent1"/>
+          </a:effectRef>
+          <a:fontRef idx="minor">
+            <a:schemeClr val="lt1"/>
+          </a:fontRef>
+        </p:style>
+        <p:txBody>
+          <a:bodyPr rtlCol="0" anchor="ctr"/>
+          <a:lstStyle/>
+          <a:p>
+            <a:pPr algn="ctr"/>
+            <a:r>
+              <a:rPr lang="ko-KR" altLang="en-US" sz="1400" dirty="0">
+                <a:solidFill>
+                  <a:schemeClr val="tx1"/>
+                </a:solidFill>
+              </a:rPr>
+              <a:t>텍스트 설명</a:t>
+            </a:r>
+          </a:p>
+        </p:txBody>
+      </p:sp>
+    </p:spTree>
+    <p:extLst>
+      <p:ext uri="{BB962C8B-B14F-4D97-AF65-F5344CB8AC3E}">
+        <p14:creationId xmlns:p14="http://schemas.microsoft.com/office/powerpoint/2010/main" val="3106908273"/>
+      </p:ext>
+    </p:extLst>
+  </p:cSld>
+  <p:clrMapOvr>
+    <a:masterClrMapping/>
+  </p:clrMapOvr>
+</p:sld>
+</file>
+
+<file path=ppt/slides/slide3.xml><?xml version="1.0" encoding="utf-8"?>
+<p:sld xmlns:a="http://schemas.openxmlformats.org/drawingml/2006/main" xmlns:r="http://schemas.openxmlformats.org/officeDocument/2006/relationships" xmlns:p="http://schemas.openxmlformats.org/presentationml/2006/main">
+  <p:cSld>
+    <p:spTree>
+      <p:nvGrpSpPr>
+        <p:cNvPr id="1" name=""/>
+        <p:cNvGrpSpPr/>
+        <p:nvPr/>
+      </p:nvGrpSpPr>
+      <p:grpSpPr>
+        <a:xfrm>
+          <a:off x="0" y="0"/>
+          <a:ext cx="0" cy="0"/>
+          <a:chOff x="0" y="0"/>
+          <a:chExt cx="0" cy="0"/>
+        </a:xfrm>
+      </p:grpSpPr>
+      <p:sp>
+        <p:nvSpPr>
+          <p:cNvPr id="3" name="직사각형 2">
+            <a:extLst>
+              <a:ext uri="{FF2B5EF4-FFF2-40B4-BE49-F238E27FC236}">
+                <a16:creationId xmlns:a16="http://schemas.microsoft.com/office/drawing/2014/main" id="{C51A6B47-C1B9-4BC0-B1E6-21333516AE0A}"/>
+              </a:ext>
+            </a:extLst>
+          </p:cNvPr>
+          <p:cNvSpPr/>
+          <p:nvPr/>
+        </p:nvSpPr>
+        <p:spPr>
+          <a:xfrm>
+            <a:off x="0" y="0"/>
+            <a:ext cx="12192000" cy="109057"/>
+          </a:xfrm>
+          <a:prstGeom prst="rect">
+            <a:avLst/>
+          </a:prstGeom>
+          <a:solidFill>
+            <a:schemeClr val="tx1"/>
+          </a:solidFill>
+          <a:ln>
+            <a:noFill/>
+          </a:ln>
+        </p:spPr>
+        <p:style>
+          <a:lnRef idx="2">
+            <a:schemeClr val="accent1">
+              <a:shade val="50000"/>
+            </a:schemeClr>
+          </a:lnRef>
+          <a:fillRef idx="1">
+            <a:schemeClr val="accent1"/>
+          </a:fillRef>
+          <a:effectRef idx="0">
+            <a:schemeClr val="accent1"/>
+          </a:effectRef>
+          <a:fontRef idx="minor">
+            <a:schemeClr val="lt1"/>
+          </a:fontRef>
+        </p:style>
+        <p:txBody>
+          <a:bodyPr rtlCol="0" anchor="ctr"/>
+          <a:lstStyle/>
+          <a:p>
+            <a:pPr algn="ctr"/>
+            <a:endParaRPr lang="ko-KR" altLang="en-US"/>
+          </a:p>
+        </p:txBody>
+      </p:sp>
+      <p:sp>
+        <p:nvSpPr>
+          <p:cNvPr id="7" name="직사각형 6">
+            <a:extLst>
+              <a:ext uri="{FF2B5EF4-FFF2-40B4-BE49-F238E27FC236}">
+                <a16:creationId xmlns:a16="http://schemas.microsoft.com/office/drawing/2014/main" id="{196A2452-0549-4E9B-BB45-579AB192BB6E}"/>
+              </a:ext>
+            </a:extLst>
+          </p:cNvPr>
+          <p:cNvSpPr/>
+          <p:nvPr/>
+        </p:nvSpPr>
+        <p:spPr>
+          <a:xfrm>
+            <a:off x="-1" y="6748943"/>
+            <a:ext cx="12192000" cy="109057"/>
+          </a:xfrm>
+          <a:prstGeom prst="rect">
+            <a:avLst/>
+          </a:prstGeom>
+          <a:solidFill>
+            <a:schemeClr val="tx1"/>
+          </a:solidFill>
+          <a:ln>
+            <a:noFill/>
+          </a:ln>
+        </p:spPr>
+        <p:style>
+          <a:lnRef idx="2">
+            <a:schemeClr val="accent1">
+              <a:shade val="50000"/>
+            </a:schemeClr>
+          </a:lnRef>
+          <a:fillRef idx="1">
+            <a:schemeClr val="accent1"/>
+          </a:fillRef>
+          <a:effectRef idx="0">
+            <a:schemeClr val="accent1"/>
+          </a:effectRef>
+          <a:fontRef idx="minor">
+            <a:schemeClr val="lt1"/>
+          </a:fontRef>
+        </p:style>
+        <p:txBody>
+          <a:bodyPr rtlCol="0" anchor="ctr"/>
+          <a:lstStyle/>
+          <a:p>
+            <a:pPr algn="ctr"/>
+            <a:endParaRPr lang="ko-KR" altLang="en-US"/>
+          </a:p>
+        </p:txBody>
+      </p:sp>
+      <p:grpSp>
+        <p:nvGrpSpPr>
+          <p:cNvPr id="16" name="그룹 15">
+            <a:extLst>
+              <a:ext uri="{FF2B5EF4-FFF2-40B4-BE49-F238E27FC236}">
+                <a16:creationId xmlns:a16="http://schemas.microsoft.com/office/drawing/2014/main" id="{BDB1DC04-E1CD-4102-8893-C855B1607BA2}"/>
+              </a:ext>
+            </a:extLst>
+          </p:cNvPr>
+          <p:cNvGrpSpPr/>
+          <p:nvPr/>
+        </p:nvGrpSpPr>
+        <p:grpSpPr>
+          <a:xfrm>
+            <a:off x="110312" y="206635"/>
+            <a:ext cx="1911435" cy="338554"/>
+            <a:chOff x="185813" y="340859"/>
+            <a:chExt cx="1911435" cy="338554"/>
+          </a:xfrm>
+        </p:grpSpPr>
         <p:sp>
           <p:nvSpPr>
-            <p:cNvPr id="21" name="TextBox 20">
+            <p:cNvPr id="8" name="TextBox 9">
               <a:extLst>
                 <a:ext uri="{FF2B5EF4-FFF2-40B4-BE49-F238E27FC236}">
-                  <a16:creationId xmlns:a16="http://schemas.microsoft.com/office/drawing/2014/main" id="{4FFF5AF5-D616-4E1E-8DA2-C53B04A410A6}"/>
+                  <a16:creationId xmlns:a16="http://schemas.microsoft.com/office/drawing/2014/main" id="{BBCD6DC0-D24B-481C-99E2-27DF80FCF0E9}"/>
                 </a:ext>
               </a:extLst>
             </p:cNvPr>
@@ -5106,8 +6168,8 @@
           </p:nvSpPr>
           <p:spPr>
             <a:xfrm>
-              <a:off x="6170726" y="3862761"/>
-              <a:ext cx="425116" cy="215444"/>
+              <a:off x="454263" y="340859"/>
+              <a:ext cx="1642985" cy="338554"/>
             </a:xfrm>
             <a:prstGeom prst="rect">
               <a:avLst/>
@@ -5115,34 +6177,515 @@
             <a:noFill/>
           </p:spPr>
           <p:txBody>
-            <a:bodyPr wrap="none" rtlCol="0">
+            <a:bodyPr wrap="square" rtlCol="0">
               <a:spAutoFit/>
             </a:bodyPr>
-            <a:lstStyle/>
+            <a:lstStyle>
+              <a:defPPr>
+                <a:defRPr lang="ko-KR"/>
+              </a:defPPr>
+              <a:lvl1pPr marL="0" algn="l" defTabSz="914400" rtl="0" eaLnBrk="1" latinLnBrk="1" hangingPunct="1">
+                <a:defRPr sz="1800" kern="1200">
+                  <a:solidFill>
+                    <a:schemeClr val="tx1"/>
+                  </a:solidFill>
+                  <a:latin typeface="+mn-lt"/>
+                  <a:ea typeface="+mn-ea"/>
+                  <a:cs typeface="+mn-cs"/>
+                </a:defRPr>
+              </a:lvl1pPr>
+              <a:lvl2pPr marL="457200" algn="l" defTabSz="914400" rtl="0" eaLnBrk="1" latinLnBrk="1" hangingPunct="1">
+                <a:defRPr sz="1800" kern="1200">
+                  <a:solidFill>
+                    <a:schemeClr val="tx1"/>
+                  </a:solidFill>
+                  <a:latin typeface="+mn-lt"/>
+                  <a:ea typeface="+mn-ea"/>
+                  <a:cs typeface="+mn-cs"/>
+                </a:defRPr>
+              </a:lvl2pPr>
+              <a:lvl3pPr marL="914400" algn="l" defTabSz="914400" rtl="0" eaLnBrk="1" latinLnBrk="1" hangingPunct="1">
+                <a:defRPr sz="1800" kern="1200">
+                  <a:solidFill>
+                    <a:schemeClr val="tx1"/>
+                  </a:solidFill>
+                  <a:latin typeface="+mn-lt"/>
+                  <a:ea typeface="+mn-ea"/>
+                  <a:cs typeface="+mn-cs"/>
+                </a:defRPr>
+              </a:lvl3pPr>
+              <a:lvl4pPr marL="1371600" algn="l" defTabSz="914400" rtl="0" eaLnBrk="1" latinLnBrk="1" hangingPunct="1">
+                <a:defRPr sz="1800" kern="1200">
+                  <a:solidFill>
+                    <a:schemeClr val="tx1"/>
+                  </a:solidFill>
+                  <a:latin typeface="+mn-lt"/>
+                  <a:ea typeface="+mn-ea"/>
+                  <a:cs typeface="+mn-cs"/>
+                </a:defRPr>
+              </a:lvl4pPr>
+              <a:lvl5pPr marL="1828800" algn="l" defTabSz="914400" rtl="0" eaLnBrk="1" latinLnBrk="1" hangingPunct="1">
+                <a:defRPr sz="1800" kern="1200">
+                  <a:solidFill>
+                    <a:schemeClr val="tx1"/>
+                  </a:solidFill>
+                  <a:latin typeface="+mn-lt"/>
+                  <a:ea typeface="+mn-ea"/>
+                  <a:cs typeface="+mn-cs"/>
+                </a:defRPr>
+              </a:lvl5pPr>
+              <a:lvl6pPr marL="2286000" algn="l" defTabSz="914400" rtl="0" eaLnBrk="1" latinLnBrk="1" hangingPunct="1">
+                <a:defRPr sz="1800" kern="1200">
+                  <a:solidFill>
+                    <a:schemeClr val="tx1"/>
+                  </a:solidFill>
+                  <a:latin typeface="+mn-lt"/>
+                  <a:ea typeface="+mn-ea"/>
+                  <a:cs typeface="+mn-cs"/>
+                </a:defRPr>
+              </a:lvl6pPr>
+              <a:lvl7pPr marL="2743200" algn="l" defTabSz="914400" rtl="0" eaLnBrk="1" latinLnBrk="1" hangingPunct="1">
+                <a:defRPr sz="1800" kern="1200">
+                  <a:solidFill>
+                    <a:schemeClr val="tx1"/>
+                  </a:solidFill>
+                  <a:latin typeface="+mn-lt"/>
+                  <a:ea typeface="+mn-ea"/>
+                  <a:cs typeface="+mn-cs"/>
+                </a:defRPr>
+              </a:lvl7pPr>
+              <a:lvl8pPr marL="3200400" algn="l" defTabSz="914400" rtl="0" eaLnBrk="1" latinLnBrk="1" hangingPunct="1">
+                <a:defRPr sz="1800" kern="1200">
+                  <a:solidFill>
+                    <a:schemeClr val="tx1"/>
+                  </a:solidFill>
+                  <a:latin typeface="+mn-lt"/>
+                  <a:ea typeface="+mn-ea"/>
+                  <a:cs typeface="+mn-cs"/>
+                </a:defRPr>
+              </a:lvl8pPr>
+              <a:lvl9pPr marL="3657600" algn="l" defTabSz="914400" rtl="0" eaLnBrk="1" latinLnBrk="1" hangingPunct="1">
+                <a:defRPr sz="1800" kern="1200">
+                  <a:solidFill>
+                    <a:schemeClr val="tx1"/>
+                  </a:solidFill>
+                  <a:latin typeface="+mn-lt"/>
+                  <a:ea typeface="+mn-ea"/>
+                  <a:cs typeface="+mn-cs"/>
+                </a:defRPr>
+              </a:lvl9pPr>
+            </a:lstStyle>
             <a:p>
               <a:r>
-                <a:rPr lang="en-US" altLang="ko-KR" sz="800" dirty="0">
-                  <a:solidFill>
-                    <a:schemeClr val="bg1"/>
-                  </a:solidFill>
-                </a:rPr>
-                <a:t>Skill1</a:t>
+                <a:rPr lang="en-US" altLang="ko-KR" sz="1600" b="1" dirty="0"/>
+                <a:t>Ⅰ.</a:t>
               </a:r>
-              <a:endParaRPr lang="ko-KR" altLang="en-US" sz="800" dirty="0">
-                <a:solidFill>
-                  <a:schemeClr val="bg1"/>
-                </a:solidFill>
-              </a:endParaRPr>
+              <a:r>
+                <a:rPr lang="ko-KR" altLang="en-US" sz="1600" b="1" dirty="0"/>
+                <a:t> 개요</a:t>
+              </a:r>
+              <a:endParaRPr lang="en-US" altLang="ko-KR" sz="1600" b="1" dirty="0"/>
             </a:p>
           </p:txBody>
         </p:sp>
+        <p:grpSp>
+          <p:nvGrpSpPr>
+            <p:cNvPr id="9" name="그룹 8">
+              <a:extLst>
+                <a:ext uri="{FF2B5EF4-FFF2-40B4-BE49-F238E27FC236}">
+                  <a16:creationId xmlns:a16="http://schemas.microsoft.com/office/drawing/2014/main" id="{FB1CCA09-1B14-4C62-80CD-7DC07A55A08F}"/>
+                </a:ext>
+              </a:extLst>
+            </p:cNvPr>
+            <p:cNvGrpSpPr/>
+            <p:nvPr/>
+          </p:nvGrpSpPr>
+          <p:grpSpPr>
+            <a:xfrm>
+              <a:off x="185813" y="440015"/>
+              <a:ext cx="239407" cy="140244"/>
+              <a:chOff x="588023" y="1712390"/>
+              <a:chExt cx="338638" cy="198373"/>
+            </a:xfrm>
+          </p:grpSpPr>
+          <p:sp>
+            <p:nvSpPr>
+              <p:cNvPr id="11" name="1/2 액자 10">
+                <a:extLst>
+                  <a:ext uri="{FF2B5EF4-FFF2-40B4-BE49-F238E27FC236}">
+                    <a16:creationId xmlns:a16="http://schemas.microsoft.com/office/drawing/2014/main" id="{C1B6B849-2228-4AF9-81AC-59D20FA6A42F}"/>
+                  </a:ext>
+                </a:extLst>
+              </p:cNvPr>
+              <p:cNvSpPr/>
+              <p:nvPr/>
+            </p:nvSpPr>
+            <p:spPr>
+              <a:xfrm rot="8127716">
+                <a:off x="728289" y="1712390"/>
+                <a:ext cx="198372" cy="198372"/>
+              </a:xfrm>
+              <a:prstGeom prst="halfFrame">
+                <a:avLst>
+                  <a:gd name="adj1" fmla="val 17680"/>
+                  <a:gd name="adj2" fmla="val 17944"/>
+                </a:avLst>
+              </a:prstGeom>
+              <a:solidFill>
+                <a:schemeClr val="tx1"/>
+              </a:solidFill>
+              <a:ln>
+                <a:solidFill>
+                  <a:schemeClr val="tx1"/>
+                </a:solidFill>
+              </a:ln>
+            </p:spPr>
+            <p:style>
+              <a:lnRef idx="2">
+                <a:schemeClr val="accent1">
+                  <a:shade val="50000"/>
+                </a:schemeClr>
+              </a:lnRef>
+              <a:fillRef idx="1">
+                <a:schemeClr val="accent1"/>
+              </a:fillRef>
+              <a:effectRef idx="0">
+                <a:schemeClr val="accent1"/>
+              </a:effectRef>
+              <a:fontRef idx="minor">
+                <a:schemeClr val="lt1"/>
+              </a:fontRef>
+            </p:style>
+            <p:txBody>
+              <a:bodyPr rtlCol="0" anchor="ctr"/>
+              <a:lstStyle>
+                <a:defPPr>
+                  <a:defRPr lang="ko-KR"/>
+                </a:defPPr>
+                <a:lvl1pPr marL="0" algn="l" defTabSz="914400" rtl="0" eaLnBrk="1" latinLnBrk="1" hangingPunct="1">
+                  <a:defRPr sz="1800" kern="1200">
+                    <a:solidFill>
+                      <a:schemeClr val="lt1"/>
+                    </a:solidFill>
+                    <a:latin typeface="+mn-lt"/>
+                    <a:ea typeface="+mn-ea"/>
+                    <a:cs typeface="+mn-cs"/>
+                  </a:defRPr>
+                </a:lvl1pPr>
+                <a:lvl2pPr marL="457200" algn="l" defTabSz="914400" rtl="0" eaLnBrk="1" latinLnBrk="1" hangingPunct="1">
+                  <a:defRPr sz="1800" kern="1200">
+                    <a:solidFill>
+                      <a:schemeClr val="lt1"/>
+                    </a:solidFill>
+                    <a:latin typeface="+mn-lt"/>
+                    <a:ea typeface="+mn-ea"/>
+                    <a:cs typeface="+mn-cs"/>
+                  </a:defRPr>
+                </a:lvl2pPr>
+                <a:lvl3pPr marL="914400" algn="l" defTabSz="914400" rtl="0" eaLnBrk="1" latinLnBrk="1" hangingPunct="1">
+                  <a:defRPr sz="1800" kern="1200">
+                    <a:solidFill>
+                      <a:schemeClr val="lt1"/>
+                    </a:solidFill>
+                    <a:latin typeface="+mn-lt"/>
+                    <a:ea typeface="+mn-ea"/>
+                    <a:cs typeface="+mn-cs"/>
+                  </a:defRPr>
+                </a:lvl3pPr>
+                <a:lvl4pPr marL="1371600" algn="l" defTabSz="914400" rtl="0" eaLnBrk="1" latinLnBrk="1" hangingPunct="1">
+                  <a:defRPr sz="1800" kern="1200">
+                    <a:solidFill>
+                      <a:schemeClr val="lt1"/>
+                    </a:solidFill>
+                    <a:latin typeface="+mn-lt"/>
+                    <a:ea typeface="+mn-ea"/>
+                    <a:cs typeface="+mn-cs"/>
+                  </a:defRPr>
+                </a:lvl4pPr>
+                <a:lvl5pPr marL="1828800" algn="l" defTabSz="914400" rtl="0" eaLnBrk="1" latinLnBrk="1" hangingPunct="1">
+                  <a:defRPr sz="1800" kern="1200">
+                    <a:solidFill>
+                      <a:schemeClr val="lt1"/>
+                    </a:solidFill>
+                    <a:latin typeface="+mn-lt"/>
+                    <a:ea typeface="+mn-ea"/>
+                    <a:cs typeface="+mn-cs"/>
+                  </a:defRPr>
+                </a:lvl5pPr>
+                <a:lvl6pPr marL="2286000" algn="l" defTabSz="914400" rtl="0" eaLnBrk="1" latinLnBrk="1" hangingPunct="1">
+                  <a:defRPr sz="1800" kern="1200">
+                    <a:solidFill>
+                      <a:schemeClr val="lt1"/>
+                    </a:solidFill>
+                    <a:latin typeface="+mn-lt"/>
+                    <a:ea typeface="+mn-ea"/>
+                    <a:cs typeface="+mn-cs"/>
+                  </a:defRPr>
+                </a:lvl6pPr>
+                <a:lvl7pPr marL="2743200" algn="l" defTabSz="914400" rtl="0" eaLnBrk="1" latinLnBrk="1" hangingPunct="1">
+                  <a:defRPr sz="1800" kern="1200">
+                    <a:solidFill>
+                      <a:schemeClr val="lt1"/>
+                    </a:solidFill>
+                    <a:latin typeface="+mn-lt"/>
+                    <a:ea typeface="+mn-ea"/>
+                    <a:cs typeface="+mn-cs"/>
+                  </a:defRPr>
+                </a:lvl7pPr>
+                <a:lvl8pPr marL="3200400" algn="l" defTabSz="914400" rtl="0" eaLnBrk="1" latinLnBrk="1" hangingPunct="1">
+                  <a:defRPr sz="1800" kern="1200">
+                    <a:solidFill>
+                      <a:schemeClr val="lt1"/>
+                    </a:solidFill>
+                    <a:latin typeface="+mn-lt"/>
+                    <a:ea typeface="+mn-ea"/>
+                    <a:cs typeface="+mn-cs"/>
+                  </a:defRPr>
+                </a:lvl8pPr>
+                <a:lvl9pPr marL="3657600" algn="l" defTabSz="914400" rtl="0" eaLnBrk="1" latinLnBrk="1" hangingPunct="1">
+                  <a:defRPr sz="1800" kern="1200">
+                    <a:solidFill>
+                      <a:schemeClr val="lt1"/>
+                    </a:solidFill>
+                    <a:latin typeface="+mn-lt"/>
+                    <a:ea typeface="+mn-ea"/>
+                    <a:cs typeface="+mn-cs"/>
+                  </a:defRPr>
+                </a:lvl9pPr>
+              </a:lstStyle>
+              <a:p>
+                <a:pPr algn="ctr"/>
+                <a:r>
+                  <a:rPr lang="en-US" altLang="ko-KR" sz="1600" dirty="0">
+                    <a:solidFill>
+                      <a:schemeClr val="tx1"/>
+                    </a:solidFill>
+                  </a:rPr>
+                  <a:t>  </a:t>
+                </a:r>
+                <a:endParaRPr lang="ko-KR" altLang="en-US" sz="1600" dirty="0">
+                  <a:solidFill>
+                    <a:schemeClr val="tx1"/>
+                  </a:solidFill>
+                </a:endParaRPr>
+              </a:p>
+            </p:txBody>
+          </p:sp>
+          <p:sp>
+            <p:nvSpPr>
+              <p:cNvPr id="12" name="1/2 액자 11">
+                <a:extLst>
+                  <a:ext uri="{FF2B5EF4-FFF2-40B4-BE49-F238E27FC236}">
+                    <a16:creationId xmlns:a16="http://schemas.microsoft.com/office/drawing/2014/main" id="{6F14890A-7DAB-4C35-B86C-AD4E6C2A20F1}"/>
+                  </a:ext>
+                </a:extLst>
+              </p:cNvPr>
+              <p:cNvSpPr/>
+              <p:nvPr/>
+            </p:nvSpPr>
+            <p:spPr>
+              <a:xfrm rot="8127716">
+                <a:off x="588023" y="1712391"/>
+                <a:ext cx="198372" cy="198372"/>
+              </a:xfrm>
+              <a:prstGeom prst="halfFrame">
+                <a:avLst>
+                  <a:gd name="adj1" fmla="val 17680"/>
+                  <a:gd name="adj2" fmla="val 17944"/>
+                </a:avLst>
+              </a:prstGeom>
+              <a:solidFill>
+                <a:schemeClr val="tx1"/>
+              </a:solidFill>
+              <a:ln>
+                <a:solidFill>
+                  <a:schemeClr val="tx1"/>
+                </a:solidFill>
+              </a:ln>
+            </p:spPr>
+            <p:style>
+              <a:lnRef idx="2">
+                <a:schemeClr val="accent1">
+                  <a:shade val="50000"/>
+                </a:schemeClr>
+              </a:lnRef>
+              <a:fillRef idx="1">
+                <a:schemeClr val="accent1"/>
+              </a:fillRef>
+              <a:effectRef idx="0">
+                <a:schemeClr val="accent1"/>
+              </a:effectRef>
+              <a:fontRef idx="minor">
+                <a:schemeClr val="lt1"/>
+              </a:fontRef>
+            </p:style>
+            <p:txBody>
+              <a:bodyPr rtlCol="0" anchor="ctr"/>
+              <a:lstStyle>
+                <a:defPPr>
+                  <a:defRPr lang="ko-KR"/>
+                </a:defPPr>
+                <a:lvl1pPr marL="0" algn="l" defTabSz="914400" rtl="0" eaLnBrk="1" latinLnBrk="1" hangingPunct="1">
+                  <a:defRPr sz="1800" kern="1200">
+                    <a:solidFill>
+                      <a:schemeClr val="lt1"/>
+                    </a:solidFill>
+                    <a:latin typeface="+mn-lt"/>
+                    <a:ea typeface="+mn-ea"/>
+                    <a:cs typeface="+mn-cs"/>
+                  </a:defRPr>
+                </a:lvl1pPr>
+                <a:lvl2pPr marL="457200" algn="l" defTabSz="914400" rtl="0" eaLnBrk="1" latinLnBrk="1" hangingPunct="1">
+                  <a:defRPr sz="1800" kern="1200">
+                    <a:solidFill>
+                      <a:schemeClr val="lt1"/>
+                    </a:solidFill>
+                    <a:latin typeface="+mn-lt"/>
+                    <a:ea typeface="+mn-ea"/>
+                    <a:cs typeface="+mn-cs"/>
+                  </a:defRPr>
+                </a:lvl2pPr>
+                <a:lvl3pPr marL="914400" algn="l" defTabSz="914400" rtl="0" eaLnBrk="1" latinLnBrk="1" hangingPunct="1">
+                  <a:defRPr sz="1800" kern="1200">
+                    <a:solidFill>
+                      <a:schemeClr val="lt1"/>
+                    </a:solidFill>
+                    <a:latin typeface="+mn-lt"/>
+                    <a:ea typeface="+mn-ea"/>
+                    <a:cs typeface="+mn-cs"/>
+                  </a:defRPr>
+                </a:lvl3pPr>
+                <a:lvl4pPr marL="1371600" algn="l" defTabSz="914400" rtl="0" eaLnBrk="1" latinLnBrk="1" hangingPunct="1">
+                  <a:defRPr sz="1800" kern="1200">
+                    <a:solidFill>
+                      <a:schemeClr val="lt1"/>
+                    </a:solidFill>
+                    <a:latin typeface="+mn-lt"/>
+                    <a:ea typeface="+mn-ea"/>
+                    <a:cs typeface="+mn-cs"/>
+                  </a:defRPr>
+                </a:lvl4pPr>
+                <a:lvl5pPr marL="1828800" algn="l" defTabSz="914400" rtl="0" eaLnBrk="1" latinLnBrk="1" hangingPunct="1">
+                  <a:defRPr sz="1800" kern="1200">
+                    <a:solidFill>
+                      <a:schemeClr val="lt1"/>
+                    </a:solidFill>
+                    <a:latin typeface="+mn-lt"/>
+                    <a:ea typeface="+mn-ea"/>
+                    <a:cs typeface="+mn-cs"/>
+                  </a:defRPr>
+                </a:lvl5pPr>
+                <a:lvl6pPr marL="2286000" algn="l" defTabSz="914400" rtl="0" eaLnBrk="1" latinLnBrk="1" hangingPunct="1">
+                  <a:defRPr sz="1800" kern="1200">
+                    <a:solidFill>
+                      <a:schemeClr val="lt1"/>
+                    </a:solidFill>
+                    <a:latin typeface="+mn-lt"/>
+                    <a:ea typeface="+mn-ea"/>
+                    <a:cs typeface="+mn-cs"/>
+                  </a:defRPr>
+                </a:lvl6pPr>
+                <a:lvl7pPr marL="2743200" algn="l" defTabSz="914400" rtl="0" eaLnBrk="1" latinLnBrk="1" hangingPunct="1">
+                  <a:defRPr sz="1800" kern="1200">
+                    <a:solidFill>
+                      <a:schemeClr val="lt1"/>
+                    </a:solidFill>
+                    <a:latin typeface="+mn-lt"/>
+                    <a:ea typeface="+mn-ea"/>
+                    <a:cs typeface="+mn-cs"/>
+                  </a:defRPr>
+                </a:lvl7pPr>
+                <a:lvl8pPr marL="3200400" algn="l" defTabSz="914400" rtl="0" eaLnBrk="1" latinLnBrk="1" hangingPunct="1">
+                  <a:defRPr sz="1800" kern="1200">
+                    <a:solidFill>
+                      <a:schemeClr val="lt1"/>
+                    </a:solidFill>
+                    <a:latin typeface="+mn-lt"/>
+                    <a:ea typeface="+mn-ea"/>
+                    <a:cs typeface="+mn-cs"/>
+                  </a:defRPr>
+                </a:lvl8pPr>
+                <a:lvl9pPr marL="3657600" algn="l" defTabSz="914400" rtl="0" eaLnBrk="1" latinLnBrk="1" hangingPunct="1">
+                  <a:defRPr sz="1800" kern="1200">
+                    <a:solidFill>
+                      <a:schemeClr val="lt1"/>
+                    </a:solidFill>
+                    <a:latin typeface="+mn-lt"/>
+                    <a:ea typeface="+mn-ea"/>
+                    <a:cs typeface="+mn-cs"/>
+                  </a:defRPr>
+                </a:lvl9pPr>
+              </a:lstStyle>
+              <a:p>
+                <a:pPr algn="ctr"/>
+                <a:r>
+                  <a:rPr lang="en-US" altLang="ko-KR" sz="1600" dirty="0">
+                    <a:solidFill>
+                      <a:schemeClr val="tx1"/>
+                    </a:solidFill>
+                  </a:rPr>
+                  <a:t>  </a:t>
+                </a:r>
+                <a:endParaRPr lang="ko-KR" altLang="en-US" sz="1600" dirty="0">
+                  <a:solidFill>
+                    <a:schemeClr val="tx1"/>
+                  </a:solidFill>
+                </a:endParaRPr>
+              </a:p>
+            </p:txBody>
+          </p:sp>
+        </p:grpSp>
       </p:grpSp>
+      <p:sp>
+        <p:nvSpPr>
+          <p:cNvPr id="30" name="TextBox 29">
+            <a:extLst>
+              <a:ext uri="{FF2B5EF4-FFF2-40B4-BE49-F238E27FC236}">
+                <a16:creationId xmlns:a16="http://schemas.microsoft.com/office/drawing/2014/main" id="{87055670-D39F-4A67-A68E-275C2A3FA0F0}"/>
+              </a:ext>
+            </a:extLst>
+          </p:cNvPr>
+          <p:cNvSpPr txBox="1"/>
+          <p:nvPr/>
+        </p:nvSpPr>
+        <p:spPr>
+          <a:xfrm>
+            <a:off x="237852" y="697657"/>
+            <a:ext cx="1091966" cy="276999"/>
+          </a:xfrm>
+          <a:prstGeom prst="rect">
+            <a:avLst/>
+          </a:prstGeom>
+          <a:noFill/>
+        </p:spPr>
+        <p:txBody>
+          <a:bodyPr wrap="none" rtlCol="0">
+            <a:spAutoFit/>
+          </a:bodyPr>
+          <a:lstStyle/>
+          <a:p>
+            <a:pPr marL="228600" indent="-228600">
+              <a:buFont typeface="+mj-lt"/>
+              <a:buAutoNum type="arabicPeriod" startAt="2"/>
+            </a:pPr>
+            <a:r>
+              <a:rPr lang="en-US" altLang="ko-KR" sz="1200" b="1" dirty="0"/>
+              <a:t>UI </a:t>
+            </a:r>
+            <a:r>
+              <a:rPr lang="ko-KR" altLang="en-US" sz="1200" b="1" dirty="0"/>
+              <a:t>디자인</a:t>
+            </a:r>
+            <a:endParaRPr lang="en-US" altLang="ko-KR" sz="1050" dirty="0"/>
+          </a:p>
+        </p:txBody>
+      </p:sp>
       <p:grpSp>
         <p:nvGrpSpPr>
-          <p:cNvPr id="24" name="그룹 23">
-            <a:extLst>
-              <a:ext uri="{FF2B5EF4-FFF2-40B4-BE49-F238E27FC236}">
-                <a16:creationId xmlns:a16="http://schemas.microsoft.com/office/drawing/2014/main" id="{6AC35891-C1FA-4379-8879-FC8733B5444D}"/>
+          <p:cNvPr id="14" name="그룹 13">
+            <a:extLst>
+              <a:ext uri="{FF2B5EF4-FFF2-40B4-BE49-F238E27FC236}">
+                <a16:creationId xmlns:a16="http://schemas.microsoft.com/office/drawing/2014/main" id="{826F4987-80C7-4744-B6B1-DC31D8EDCD63}"/>
               </a:ext>
             </a:extLst>
           </p:cNvPr>
@@ -5151,18 +6694,18 @@
         </p:nvGrpSpPr>
         <p:grpSpPr>
           <a:xfrm>
-            <a:off x="6548758" y="3669026"/>
-            <a:ext cx="425116" cy="326648"/>
-            <a:chOff x="6515202" y="3780945"/>
-            <a:chExt cx="425116" cy="326648"/>
+            <a:off x="677498" y="1435067"/>
+            <a:ext cx="1476462" cy="1451296"/>
+            <a:chOff x="8783273" y="1197794"/>
+            <a:chExt cx="1476462" cy="1451296"/>
           </a:xfrm>
         </p:grpSpPr>
         <p:sp>
           <p:nvSpPr>
-            <p:cNvPr id="32" name="직사각형 31">
+            <p:cNvPr id="6" name="직사각형 5">
               <a:extLst>
                 <a:ext uri="{FF2B5EF4-FFF2-40B4-BE49-F238E27FC236}">
-                  <a16:creationId xmlns:a16="http://schemas.microsoft.com/office/drawing/2014/main" id="{28FF3BDE-7ABD-454B-B5F0-84913D1C191E}"/>
+                  <a16:creationId xmlns:a16="http://schemas.microsoft.com/office/drawing/2014/main" id="{186F62CA-9177-4A27-AF8E-2D49B3D39476}"/>
                 </a:ext>
               </a:extLst>
             </p:cNvPr>
@@ -5171,18 +6714,18 @@
           </p:nvSpPr>
           <p:spPr>
             <a:xfrm>
-              <a:off x="6597523" y="3839145"/>
-              <a:ext cx="268448" cy="268448"/>
+              <a:off x="8783273" y="1390741"/>
+              <a:ext cx="1258349" cy="1258349"/>
             </a:xfrm>
             <a:prstGeom prst="rect">
               <a:avLst/>
             </a:prstGeom>
             <a:solidFill>
-              <a:schemeClr val="accent2"/>
+              <a:srgbClr val="4B4B4B"/>
             </a:solidFill>
-            <a:ln>
+            <a:ln w="38100">
               <a:solidFill>
-                <a:srgbClr val="FF0000"/>
+                <a:srgbClr val="827466"/>
               </a:solidFill>
             </a:ln>
           </p:spPr>
@@ -5207,16 +6750,20 @@
             <a:lstStyle/>
             <a:p>
               <a:pPr algn="ctr"/>
-              <a:endParaRPr lang="ko-KR" altLang="en-US"/>
+              <a:r>
+                <a:rPr lang="en-US" altLang="ko-KR" sz="3200" dirty="0"/>
+                <a:t>0</a:t>
+              </a:r>
+              <a:endParaRPr lang="ko-KR" altLang="en-US" sz="3200" dirty="0"/>
             </a:p>
           </p:txBody>
         </p:sp>
         <p:sp>
           <p:nvSpPr>
-            <p:cNvPr id="34" name="타원 33">
+            <p:cNvPr id="13" name="타원 12">
               <a:extLst>
                 <a:ext uri="{FF2B5EF4-FFF2-40B4-BE49-F238E27FC236}">
-                  <a16:creationId xmlns:a16="http://schemas.microsoft.com/office/drawing/2014/main" id="{6CEBC398-2B07-4D2C-9E4E-C33F289FC568}"/>
+                  <a16:creationId xmlns:a16="http://schemas.microsoft.com/office/drawing/2014/main" id="{9C03AEA6-4E41-4C9A-A6B8-649C18033FA7}"/>
                 </a:ext>
               </a:extLst>
             </p:cNvPr>
@@ -5225,20 +6772,21 @@
           </p:nvSpPr>
           <p:spPr>
             <a:xfrm>
-              <a:off x="6811442" y="3780945"/>
-              <a:ext cx="109057" cy="109057"/>
+              <a:off x="9823508" y="1197794"/>
+              <a:ext cx="436227" cy="436227"/>
             </a:xfrm>
             <a:prstGeom prst="ellipse">
               <a:avLst/>
             </a:prstGeom>
             <a:solidFill>
-              <a:schemeClr val="bg1">
-                <a:lumMod val="75000"/>
+              <a:schemeClr val="tx1">
+                <a:lumMod val="95000"/>
+                <a:lumOff val="5000"/>
               </a:schemeClr>
             </a:solidFill>
             <a:ln>
               <a:solidFill>
-                <a:schemeClr val="tx1"/>
+                <a:srgbClr val="827466"/>
               </a:solidFill>
             </a:ln>
           </p:spPr>
@@ -5263,61 +6811,315 @@
             <a:lstStyle/>
             <a:p>
               <a:pPr algn="ctr"/>
-              <a:endParaRPr lang="ko-KR" altLang="en-US"/>
+              <a:r>
+                <a:rPr lang="en-US" altLang="ko-KR" dirty="0"/>
+                <a:t>n</a:t>
+              </a:r>
+              <a:endParaRPr lang="ko-KR" altLang="en-US" dirty="0"/>
+            </a:p>
+          </p:txBody>
+        </p:sp>
+      </p:grpSp>
+      <p:sp>
+        <p:nvSpPr>
+          <p:cNvPr id="31" name="슬라이드 번호 개체 틀 4">
+            <a:extLst>
+              <a:ext uri="{FF2B5EF4-FFF2-40B4-BE49-F238E27FC236}">
+                <a16:creationId xmlns:a16="http://schemas.microsoft.com/office/drawing/2014/main" id="{9C5F375E-237A-47AB-BF5C-7636D9C430BA}"/>
+              </a:ext>
+            </a:extLst>
+          </p:cNvPr>
+          <p:cNvSpPr>
+            <a:spLocks noGrp="1"/>
+          </p:cNvSpPr>
+          <p:nvPr>
+            <p:ph type="sldNum" sz="quarter" idx="12"/>
+          </p:nvPr>
+        </p:nvSpPr>
+        <p:spPr>
+          <a:xfrm>
+            <a:off x="11661879" y="6538671"/>
+            <a:ext cx="497747" cy="171974"/>
+          </a:xfrm>
+        </p:spPr>
+        <p:txBody>
+          <a:bodyPr/>
+          <a:lstStyle/>
+          <a:p>
+            <a:fld id="{7D539FDA-EE08-4502-8CC6-6D7162201B8C}" type="slidenum">
+              <a:rPr lang="ko-KR" altLang="en-US" sz="1100" smtClean="0">
+                <a:solidFill>
+                  <a:schemeClr val="tx1"/>
+                </a:solidFill>
+              </a:rPr>
+              <a:pPr/>
+              <a:t>3</a:t>
+            </a:fld>
+            <a:r>
+              <a:rPr lang="en-US" altLang="ko-KR" sz="1100" dirty="0">
+                <a:solidFill>
+                  <a:schemeClr val="tx1"/>
+                </a:solidFill>
+              </a:rPr>
+              <a:t>P</a:t>
+            </a:r>
+            <a:endParaRPr lang="ko-KR" altLang="en-US" sz="1100" dirty="0">
+              <a:solidFill>
+                <a:schemeClr val="tx1"/>
+              </a:solidFill>
+            </a:endParaRPr>
+          </a:p>
+        </p:txBody>
+      </p:sp>
+      <p:sp>
+        <p:nvSpPr>
+          <p:cNvPr id="33" name="TextBox 32">
+            <a:extLst>
+              <a:ext uri="{FF2B5EF4-FFF2-40B4-BE49-F238E27FC236}">
+                <a16:creationId xmlns:a16="http://schemas.microsoft.com/office/drawing/2014/main" id="{8180644C-89A4-47B7-B0BD-B38DE8A13737}"/>
+              </a:ext>
+            </a:extLst>
+          </p:cNvPr>
+          <p:cNvSpPr txBox="1"/>
+          <p:nvPr/>
+        </p:nvSpPr>
+        <p:spPr>
+          <a:xfrm>
+            <a:off x="667561" y="3079310"/>
+            <a:ext cx="4080604" cy="1343381"/>
+          </a:xfrm>
+          <a:prstGeom prst="rect">
+            <a:avLst/>
+          </a:prstGeom>
+          <a:noFill/>
+        </p:spPr>
+        <p:txBody>
+          <a:bodyPr wrap="none" rtlCol="0">
+            <a:spAutoFit/>
+          </a:bodyPr>
+          <a:lstStyle/>
+          <a:p>
+            <a:pPr marL="342900" indent="-342900">
+              <a:lnSpc>
+                <a:spcPct val="150000"/>
+              </a:lnSpc>
+              <a:buAutoNum type="arabicPeriod"/>
+            </a:pPr>
+            <a:r>
+              <a:rPr lang="en-US" altLang="ko-KR" sz="1400" dirty="0"/>
+              <a:t>Max_Charge == 0, </a:t>
+            </a:r>
+            <a:r>
+              <a:rPr lang="ko-KR" altLang="en-US" sz="1400" dirty="0"/>
+              <a:t>텍스트 제거</a:t>
+            </a:r>
+            <a:endParaRPr lang="en-US" altLang="ko-KR" sz="1400" dirty="0"/>
+          </a:p>
+          <a:p>
+            <a:pPr marL="342900" indent="-342900">
+              <a:lnSpc>
+                <a:spcPct val="150000"/>
+              </a:lnSpc>
+              <a:buAutoNum type="arabicPeriod"/>
+            </a:pPr>
+            <a:r>
+              <a:rPr lang="en-US" altLang="ko-KR" sz="1400" dirty="0"/>
+              <a:t>Max_Charge == 0, </a:t>
+            </a:r>
+            <a:r>
+              <a:rPr lang="ko-KR" altLang="en-US" sz="1400" dirty="0"/>
+              <a:t>아이콘 색상 </a:t>
+            </a:r>
+            <a:r>
+              <a:rPr lang="ko-KR" altLang="en-US" sz="1400" b="1" dirty="0">
+                <a:solidFill>
+                  <a:srgbClr val="FF0000"/>
+                </a:solidFill>
+              </a:rPr>
+              <a:t>흑백</a:t>
+            </a:r>
+            <a:r>
+              <a:rPr lang="ko-KR" altLang="en-US" sz="1400" dirty="0"/>
+              <a:t>으로</a:t>
+            </a:r>
+            <a:endParaRPr lang="en-US" altLang="ko-KR" sz="1400" dirty="0"/>
+          </a:p>
+          <a:p>
+            <a:pPr marL="342900" indent="-342900">
+              <a:lnSpc>
+                <a:spcPct val="150000"/>
+              </a:lnSpc>
+              <a:buFontTx/>
+              <a:buAutoNum type="arabicPeriod"/>
+            </a:pPr>
+            <a:r>
+              <a:rPr lang="ko-KR" altLang="en-US" sz="1400" dirty="0"/>
+              <a:t>스킬 충전량</a:t>
+            </a:r>
+            <a:r>
+              <a:rPr lang="en-US" altLang="ko-KR" sz="1400" dirty="0"/>
+              <a:t> != Max_Charge, CoolTime </a:t>
+            </a:r>
+            <a:r>
+              <a:rPr lang="ko-KR" altLang="en-US" sz="1400" dirty="0"/>
+              <a:t>표기</a:t>
+            </a:r>
+            <a:br>
+              <a:rPr lang="en-US" altLang="ko-KR" sz="1400" dirty="0"/>
+            </a:br>
+            <a:r>
+              <a:rPr lang="ko-KR" altLang="en-US" sz="1400" dirty="0"/>
+              <a:t>ㄴ </a:t>
+            </a:r>
+          </a:p>
+        </p:txBody>
+      </p:sp>
+      <p:grpSp>
+        <p:nvGrpSpPr>
+          <p:cNvPr id="40" name="그룹 39">
+            <a:extLst>
+              <a:ext uri="{FF2B5EF4-FFF2-40B4-BE49-F238E27FC236}">
+                <a16:creationId xmlns:a16="http://schemas.microsoft.com/office/drawing/2014/main" id="{13169AC8-61A0-43BF-9CE8-5E838527434A}"/>
+              </a:ext>
+            </a:extLst>
+          </p:cNvPr>
+          <p:cNvGrpSpPr/>
+          <p:nvPr/>
+        </p:nvGrpSpPr>
+        <p:grpSpPr>
+          <a:xfrm>
+            <a:off x="1498991" y="4164164"/>
+            <a:ext cx="1476462" cy="1451296"/>
+            <a:chOff x="8783273" y="1197794"/>
+            <a:chExt cx="1476462" cy="1451296"/>
+          </a:xfrm>
+        </p:grpSpPr>
+        <p:sp>
+          <p:nvSpPr>
+            <p:cNvPr id="41" name="직사각형 40">
+              <a:extLst>
+                <a:ext uri="{FF2B5EF4-FFF2-40B4-BE49-F238E27FC236}">
+                  <a16:creationId xmlns:a16="http://schemas.microsoft.com/office/drawing/2014/main" id="{80935E96-8C88-4DD2-87BD-3F7A0C393922}"/>
+                </a:ext>
+              </a:extLst>
+            </p:cNvPr>
+            <p:cNvSpPr/>
+            <p:nvPr/>
+          </p:nvSpPr>
+          <p:spPr>
+            <a:xfrm>
+              <a:off x="8783273" y="1390741"/>
+              <a:ext cx="1258349" cy="1258349"/>
+            </a:xfrm>
+            <a:prstGeom prst="rect">
+              <a:avLst/>
+            </a:prstGeom>
+            <a:solidFill>
+              <a:srgbClr val="4B4B4B"/>
+            </a:solidFill>
+            <a:ln w="38100">
+              <a:solidFill>
+                <a:srgbClr val="827466"/>
+              </a:solidFill>
+            </a:ln>
+          </p:spPr>
+          <p:style>
+            <a:lnRef idx="2">
+              <a:schemeClr val="accent1">
+                <a:shade val="50000"/>
+              </a:schemeClr>
+            </a:lnRef>
+            <a:fillRef idx="1">
+              <a:schemeClr val="accent1"/>
+            </a:fillRef>
+            <a:effectRef idx="0">
+              <a:schemeClr val="accent1"/>
+            </a:effectRef>
+            <a:fontRef idx="minor">
+              <a:schemeClr val="lt1"/>
+            </a:fontRef>
+          </p:style>
+          <p:txBody>
+            <a:bodyPr rtlCol="0" anchor="ctr"/>
+            <a:lstStyle/>
+            <a:p>
+              <a:pPr algn="ctr"/>
+              <a:r>
+                <a:rPr lang="en-US" altLang="ko-KR" sz="3200" dirty="0"/>
+                <a:t>0</a:t>
+              </a:r>
+              <a:endParaRPr lang="ko-KR" altLang="en-US" sz="3200" dirty="0"/>
             </a:p>
           </p:txBody>
         </p:sp>
         <p:sp>
           <p:nvSpPr>
-            <p:cNvPr id="37" name="TextBox 36">
+            <p:cNvPr id="42" name="타원 41">
               <a:extLst>
                 <a:ext uri="{FF2B5EF4-FFF2-40B4-BE49-F238E27FC236}">
-                  <a16:creationId xmlns:a16="http://schemas.microsoft.com/office/drawing/2014/main" id="{04EE9334-1740-4EBF-8364-0BDDBC8029E9}"/>
+                  <a16:creationId xmlns:a16="http://schemas.microsoft.com/office/drawing/2014/main" id="{0A51A4DD-838B-4FA1-9EEB-B5BF147A5B25}"/>
                 </a:ext>
               </a:extLst>
             </p:cNvPr>
-            <p:cNvSpPr txBox="1"/>
+            <p:cNvSpPr/>
             <p:nvPr/>
           </p:nvSpPr>
           <p:spPr>
             <a:xfrm>
-              <a:off x="6515202" y="3880439"/>
-              <a:ext cx="425116" cy="215444"/>
+              <a:off x="9823508" y="1197794"/>
+              <a:ext cx="436227" cy="436227"/>
             </a:xfrm>
-            <a:prstGeom prst="rect">
+            <a:prstGeom prst="ellipse">
               <a:avLst/>
             </a:prstGeom>
-            <a:noFill/>
+            <a:solidFill>
+              <a:schemeClr val="tx1">
+                <a:lumMod val="95000"/>
+                <a:lumOff val="5000"/>
+              </a:schemeClr>
+            </a:solidFill>
+            <a:ln>
+              <a:solidFill>
+                <a:srgbClr val="827466"/>
+              </a:solidFill>
+            </a:ln>
           </p:spPr>
+          <p:style>
+            <a:lnRef idx="2">
+              <a:schemeClr val="accent1">
+                <a:shade val="50000"/>
+              </a:schemeClr>
+            </a:lnRef>
+            <a:fillRef idx="1">
+              <a:schemeClr val="accent1"/>
+            </a:fillRef>
+            <a:effectRef idx="0">
+              <a:schemeClr val="accent1"/>
+            </a:effectRef>
+            <a:fontRef idx="minor">
+              <a:schemeClr val="lt1"/>
+            </a:fontRef>
+          </p:style>
           <p:txBody>
-            <a:bodyPr wrap="none" rtlCol="0">
-              <a:spAutoFit/>
-            </a:bodyPr>
+            <a:bodyPr rtlCol="0" anchor="ctr"/>
             <a:lstStyle/>
             <a:p>
+              <a:pPr algn="ctr"/>
               <a:r>
-                <a:rPr lang="en-US" altLang="ko-KR" sz="800" dirty="0">
-                  <a:solidFill>
-                    <a:schemeClr val="bg1"/>
-                  </a:solidFill>
-                </a:rPr>
-                <a:t>Skill2</a:t>
+                <a:rPr lang="en-US" altLang="ko-KR" dirty="0"/>
+                <a:t>n</a:t>
               </a:r>
-              <a:endParaRPr lang="ko-KR" altLang="en-US" sz="800" dirty="0">
-                <a:solidFill>
-                  <a:schemeClr val="bg1"/>
-                </a:solidFill>
-              </a:endParaRPr>
+              <a:endParaRPr lang="ko-KR" altLang="en-US" dirty="0"/>
             </a:p>
           </p:txBody>
         </p:sp>
       </p:grpSp>
       <p:sp>
         <p:nvSpPr>
-          <p:cNvPr id="25" name="직사각형 24">
-            <a:extLst>
-              <a:ext uri="{FF2B5EF4-FFF2-40B4-BE49-F238E27FC236}">
-                <a16:creationId xmlns:a16="http://schemas.microsoft.com/office/drawing/2014/main" id="{5D68033C-F82F-4E07-8EF9-93217D0712F0}"/>
+          <p:cNvPr id="43" name="자유형: 도형 42">
+            <a:extLst>
+              <a:ext uri="{FF2B5EF4-FFF2-40B4-BE49-F238E27FC236}">
+                <a16:creationId xmlns:a16="http://schemas.microsoft.com/office/drawing/2014/main" id="{9FBED266-0F61-402F-82BD-D33215A3332A}"/>
               </a:ext>
             </a:extLst>
           </p:cNvPr>
@@ -5326,17 +7128,70 @@
         </p:nvSpPr>
         <p:spPr>
           <a:xfrm>
-            <a:off x="6104388" y="3517475"/>
-            <a:ext cx="992698" cy="651853"/>
+            <a:off x="1489054" y="4361842"/>
+            <a:ext cx="1065386" cy="1258349"/>
           </a:xfrm>
-          <a:prstGeom prst="rect">
+          <a:custGeom>
             <a:avLst/>
-          </a:prstGeom>
-          <a:noFill/>
+            <a:gdLst>
+              <a:gd name="connsiteX0" fmla="*/ 0 w 1065386"/>
+              <a:gd name="connsiteY0" fmla="*/ 0 h 1258349"/>
+              <a:gd name="connsiteX1" fmla="*/ 581003 w 1065386"/>
+              <a:gd name="connsiteY1" fmla="*/ 0 h 1258349"/>
+              <a:gd name="connsiteX2" fmla="*/ 584415 w 1065386"/>
+              <a:gd name="connsiteY2" fmla="*/ 686307 h 1258349"/>
+              <a:gd name="connsiteX3" fmla="*/ 1065386 w 1065386"/>
+              <a:gd name="connsiteY3" fmla="*/ 1258349 h 1258349"/>
+              <a:gd name="connsiteX4" fmla="*/ 0 w 1065386"/>
+              <a:gd name="connsiteY4" fmla="*/ 1258349 h 1258349"/>
+            </a:gdLst>
+            <a:ahLst/>
+            <a:cxnLst>
+              <a:cxn ang="0">
+                <a:pos x="connsiteX0" y="connsiteY0"/>
+              </a:cxn>
+              <a:cxn ang="0">
+                <a:pos x="connsiteX1" y="connsiteY1"/>
+              </a:cxn>
+              <a:cxn ang="0">
+                <a:pos x="connsiteX2" y="connsiteY2"/>
+              </a:cxn>
+              <a:cxn ang="0">
+                <a:pos x="connsiteX3" y="connsiteY3"/>
+              </a:cxn>
+              <a:cxn ang="0">
+                <a:pos x="connsiteX4" y="connsiteY4"/>
+              </a:cxn>
+            </a:cxnLst>
+            <a:rect l="l" t="t" r="r" b="b"/>
+            <a:pathLst>
+              <a:path w="1065386" h="1258349">
+                <a:moveTo>
+                  <a:pt x="0" y="0"/>
+                </a:moveTo>
+                <a:lnTo>
+                  <a:pt x="581003" y="0"/>
+                </a:lnTo>
+                <a:lnTo>
+                  <a:pt x="584415" y="686307"/>
+                </a:lnTo>
+                <a:lnTo>
+                  <a:pt x="1065386" y="1258349"/>
+                </a:lnTo>
+                <a:lnTo>
+                  <a:pt x="0" y="1258349"/>
+                </a:lnTo>
+                <a:close/>
+              </a:path>
+            </a:pathLst>
+          </a:custGeom>
+          <a:solidFill>
+            <a:schemeClr val="tx1">
+              <a:alpha val="50000"/>
+            </a:schemeClr>
+          </a:solidFill>
           <a:ln w="38100">
-            <a:solidFill>
-              <a:srgbClr val="00B0F0"/>
-            </a:solidFill>
+            <a:noFill/>
           </a:ln>
         </p:spPr>
         <p:style>
@@ -5356,20 +7211,22 @@
           </a:fontRef>
         </p:style>
         <p:txBody>
-          <a:bodyPr rtlCol="0" anchor="ctr"/>
+          <a:bodyPr wrap="square" rtlCol="0" anchor="ctr">
+            <a:noAutofit/>
+          </a:bodyPr>
           <a:lstStyle/>
           <a:p>
             <a:pPr algn="ctr"/>
-            <a:endParaRPr lang="ko-KR" altLang="en-US"/>
-          </a:p>
-        </p:txBody>
-      </p:sp>
-      <p:sp>
-        <p:nvSpPr>
-          <p:cNvPr id="44" name="직사각형 43">
-            <a:extLst>
-              <a:ext uri="{FF2B5EF4-FFF2-40B4-BE49-F238E27FC236}">
-                <a16:creationId xmlns:a16="http://schemas.microsoft.com/office/drawing/2014/main" id="{2F89F8D4-0EE2-40C6-B8F0-A3F532FC5AAD}"/>
+            <a:endParaRPr lang="ko-KR" altLang="en-US" sz="3200" dirty="0"/>
+          </a:p>
+        </p:txBody>
+      </p:sp>
+      <p:sp>
+        <p:nvSpPr>
+          <p:cNvPr id="20" name="화살표: 왼쪽으로 구부러짐 19">
+            <a:extLst>
+              <a:ext uri="{FF2B5EF4-FFF2-40B4-BE49-F238E27FC236}">
+                <a16:creationId xmlns:a16="http://schemas.microsoft.com/office/drawing/2014/main" id="{4F57BEE1-E30A-4961-86D4-8B993A7C7D15}"/>
               </a:ext>
             </a:extLst>
           </p:cNvPr>
@@ -5378,20 +7235,12 @@
         </p:nvSpPr>
         <p:spPr>
           <a:xfrm>
-            <a:off x="7821617" y="1289798"/>
-            <a:ext cx="1077210" cy="1077210"/>
+            <a:off x="2128165" y="4484340"/>
+            <a:ext cx="639112" cy="1067103"/>
           </a:xfrm>
-          <a:prstGeom prst="rect">
+          <a:prstGeom prst="curvedLeftArrow">
             <a:avLst/>
           </a:prstGeom>
-          <a:solidFill>
-            <a:schemeClr val="accent2"/>
-          </a:solidFill>
-          <a:ln>
-            <a:solidFill>
-              <a:srgbClr val="FF0000"/>
-            </a:solidFill>
-          </a:ln>
         </p:spPr>
         <p:style>
           <a:lnRef idx="2">
@@ -5414,71 +7263,7 @@
           <a:lstStyle/>
           <a:p>
             <a:pPr algn="ctr"/>
-            <a:endParaRPr lang="ko-KR" altLang="en-US"/>
-          </a:p>
-        </p:txBody>
-      </p:sp>
-      <p:sp>
-        <p:nvSpPr>
-          <p:cNvPr id="46" name="타원 45">
-            <a:extLst>
-              <a:ext uri="{FF2B5EF4-FFF2-40B4-BE49-F238E27FC236}">
-                <a16:creationId xmlns:a16="http://schemas.microsoft.com/office/drawing/2014/main" id="{1DBE2378-B9F5-4EF3-87C9-C076B5ECFFAE}"/>
-              </a:ext>
-            </a:extLst>
-          </p:cNvPr>
-          <p:cNvSpPr/>
-          <p:nvPr/>
-        </p:nvSpPr>
-        <p:spPr>
-          <a:xfrm>
-            <a:off x="8680017" y="1056257"/>
-            <a:ext cx="437617" cy="437617"/>
-          </a:xfrm>
-          <a:prstGeom prst="ellipse">
-            <a:avLst/>
-          </a:prstGeom>
-          <a:solidFill>
-            <a:schemeClr val="bg1">
-              <a:lumMod val="75000"/>
-            </a:schemeClr>
-          </a:solidFill>
-          <a:ln>
-            <a:solidFill>
-              <a:schemeClr val="tx1"/>
-            </a:solidFill>
-          </a:ln>
-        </p:spPr>
-        <p:style>
-          <a:lnRef idx="2">
-            <a:schemeClr val="accent1">
-              <a:shade val="50000"/>
-            </a:schemeClr>
-          </a:lnRef>
-          <a:fillRef idx="1">
-            <a:schemeClr val="accent1"/>
-          </a:fillRef>
-          <a:effectRef idx="0">
-            <a:schemeClr val="accent1"/>
-          </a:effectRef>
-          <a:fontRef idx="minor">
-            <a:schemeClr val="lt1"/>
-          </a:fontRef>
-        </p:style>
-        <p:txBody>
-          <a:bodyPr rtlCol="0" anchor="ctr"/>
-          <a:lstStyle/>
-          <a:p>
-            <a:pPr algn="ctr"/>
-            <a:r>
-              <a:rPr lang="en-US" altLang="ko-KR" dirty="0">
-                <a:solidFill>
-                  <a:schemeClr val="tx1"/>
-                </a:solidFill>
-              </a:rPr>
-              <a:t>1</a:t>
-            </a:r>
-            <a:endParaRPr lang="ko-KR" altLang="en-US" dirty="0">
+            <a:endParaRPr lang="ko-KR" altLang="en-US">
               <a:solidFill>
                 <a:schemeClr val="tx1"/>
               </a:solidFill>
@@ -5488,10 +7273,10 @@
       </p:sp>
       <p:sp>
         <p:nvSpPr>
-          <p:cNvPr id="26" name="TextBox 25">
-            <a:extLst>
-              <a:ext uri="{FF2B5EF4-FFF2-40B4-BE49-F238E27FC236}">
-                <a16:creationId xmlns:a16="http://schemas.microsoft.com/office/drawing/2014/main" id="{9AADCEA5-8272-464F-A437-127863EE6A6A}"/>
+          <p:cNvPr id="21" name="TextBox 20">
+            <a:extLst>
+              <a:ext uri="{FF2B5EF4-FFF2-40B4-BE49-F238E27FC236}">
+                <a16:creationId xmlns:a16="http://schemas.microsoft.com/office/drawing/2014/main" id="{11D22775-FA75-499D-844C-2A7CD2293EB9}"/>
               </a:ext>
             </a:extLst>
           </p:cNvPr>
@@ -5500,20 +7285,13 @@
         </p:nvSpPr>
         <p:spPr>
           <a:xfrm>
-            <a:off x="7486565" y="2738376"/>
-            <a:ext cx="1109599" cy="307777"/>
+            <a:off x="1436931" y="5656561"/>
+            <a:ext cx="2270173" cy="400110"/>
           </a:xfrm>
           <a:prstGeom prst="rect">
             <a:avLst/>
           </a:prstGeom>
-          <a:solidFill>
-            <a:schemeClr val="bg1"/>
-          </a:solidFill>
-          <a:ln w="19050">
-            <a:solidFill>
-              <a:srgbClr val="00B0F0"/>
-            </a:solidFill>
-          </a:ln>
+          <a:noFill/>
         </p:spPr>
         <p:txBody>
           <a:bodyPr wrap="none" rtlCol="0">
@@ -5521,124 +7299,62 @@
           </a:bodyPr>
           <a:lstStyle/>
           <a:p>
-            <a:r>
-              <a:rPr lang="en-US" altLang="ko-KR" sz="1400" dirty="0"/>
-              <a:t>Skill </a:t>
-            </a:r>
-            <a:r>
-              <a:rPr lang="ko-KR" altLang="en-US" sz="1400" dirty="0"/>
-              <a:t>아이콘</a:t>
-            </a:r>
-          </a:p>
-        </p:txBody>
-      </p:sp>
-      <p:sp>
-        <p:nvSpPr>
-          <p:cNvPr id="48" name="TextBox 47">
-            <a:extLst>
-              <a:ext uri="{FF2B5EF4-FFF2-40B4-BE49-F238E27FC236}">
-                <a16:creationId xmlns:a16="http://schemas.microsoft.com/office/drawing/2014/main" id="{B1CA6887-6907-43C4-B971-7C17D3174C19}"/>
-              </a:ext>
-            </a:extLst>
-          </p:cNvPr>
-          <p:cNvSpPr txBox="1"/>
-          <p:nvPr/>
-        </p:nvSpPr>
-        <p:spPr>
-          <a:xfrm>
-            <a:off x="9490909" y="860125"/>
-            <a:ext cx="2397451" cy="738664"/>
-          </a:xfrm>
-          <a:prstGeom prst="rect">
-            <a:avLst/>
-          </a:prstGeom>
-          <a:solidFill>
-            <a:schemeClr val="bg1"/>
-          </a:solidFill>
-          <a:ln w="19050">
-            <a:solidFill>
-              <a:srgbClr val="00B0F0"/>
-            </a:solidFill>
-          </a:ln>
-        </p:spPr>
-        <p:txBody>
-          <a:bodyPr wrap="none" rtlCol="0">
-            <a:spAutoFit/>
-          </a:bodyPr>
-          <a:lstStyle/>
-          <a:p>
-            <a:r>
-              <a:rPr lang="en-US" altLang="ko-KR" sz="1400" dirty="0"/>
-              <a:t>1. Skill </a:t>
-            </a:r>
-            <a:r>
-              <a:rPr lang="ko-KR" altLang="en-US" sz="1400" dirty="0"/>
-              <a:t>사용 가능 횟수</a:t>
-            </a:r>
-            <a:endParaRPr lang="en-US" altLang="ko-KR" sz="1400" dirty="0"/>
-          </a:p>
-          <a:p>
-            <a:r>
-              <a:rPr lang="en-US" altLang="ko-KR" sz="1400" dirty="0"/>
-              <a:t>   </a:t>
-            </a:r>
-            <a:r>
-              <a:rPr lang="ko-KR" altLang="en-US" sz="1400" dirty="0"/>
-              <a:t>ㄴ 최대값</a:t>
-            </a:r>
-            <a:r>
-              <a:rPr lang="en-US" altLang="ko-KR" sz="1400" dirty="0"/>
-              <a:t> = </a:t>
-            </a:r>
-            <a:r>
-              <a:rPr lang="en-US" altLang="ko-KR" sz="1400" dirty="0" err="1"/>
-              <a:t>Max_Charge</a:t>
-            </a:r>
-            <a:endParaRPr lang="en-US" altLang="ko-KR" sz="1400" dirty="0"/>
-          </a:p>
-          <a:p>
-            <a:r>
-              <a:rPr lang="en-US" altLang="ko-KR" sz="1400" dirty="0"/>
-              <a:t>   </a:t>
-            </a:r>
-            <a:r>
-              <a:rPr lang="ko-KR" altLang="en-US" sz="1400" dirty="0"/>
-              <a:t>ㄴ 최소값 </a:t>
-            </a:r>
-            <a:r>
-              <a:rPr lang="en-US" altLang="ko-KR" sz="1400" dirty="0"/>
-              <a:t>= 0</a:t>
-            </a:r>
-            <a:endParaRPr lang="ko-KR" altLang="en-US" sz="1400" dirty="0"/>
+            <a:pPr marL="228600" indent="-228600">
+              <a:buAutoNum type="arabicPeriod"/>
+            </a:pPr>
+            <a:r>
+              <a:rPr lang="ko-KR" altLang="en-US" sz="1000" dirty="0"/>
+              <a:t>시계방향으로 회전</a:t>
+            </a:r>
+            <a:endParaRPr lang="en-US" altLang="ko-KR" sz="1000" dirty="0"/>
+          </a:p>
+          <a:p>
+            <a:pPr marL="228600" indent="-228600">
+              <a:buAutoNum type="arabicPeriod"/>
+            </a:pPr>
+            <a:r>
+              <a:rPr lang="en-US" altLang="ko-KR" sz="1000" dirty="0"/>
+              <a:t>CoolTime == 0, </a:t>
+            </a:r>
+            <a:r>
+              <a:rPr lang="ko-KR" altLang="en-US" sz="1000" dirty="0"/>
+              <a:t>스킬 충전량 </a:t>
+            </a:r>
+            <a:r>
+              <a:rPr lang="en-US" altLang="ko-KR" sz="1000" dirty="0"/>
+              <a:t>+1</a:t>
+            </a:r>
+            <a:endParaRPr lang="ko-KR" altLang="en-US" sz="1000" dirty="0"/>
           </a:p>
         </p:txBody>
       </p:sp>
       <p:cxnSp>
         <p:nvCxnSpPr>
-          <p:cNvPr id="28" name="연결선: 꺾임 27">
-            <a:extLst>
-              <a:ext uri="{FF2B5EF4-FFF2-40B4-BE49-F238E27FC236}">
-                <a16:creationId xmlns:a16="http://schemas.microsoft.com/office/drawing/2014/main" id="{BD6B9B96-5577-4A1B-AC11-A452B7B0C956}"/>
+          <p:cNvPr id="23" name="직선 연결선 22">
+            <a:extLst>
+              <a:ext uri="{FF2B5EF4-FFF2-40B4-BE49-F238E27FC236}">
+                <a16:creationId xmlns:a16="http://schemas.microsoft.com/office/drawing/2014/main" id="{5C9F314F-E493-4823-B7F6-E205AB8CF80A}"/>
               </a:ext>
             </a:extLst>
           </p:cNvPr>
           <p:cNvCxnSpPr>
-            <a:endCxn id="48" idx="1"/>
+            <a:cxnSpLocks/>
           </p:cNvCxnSpPr>
           <p:nvPr/>
         </p:nvCxnSpPr>
         <p:spPr>
-          <a:xfrm flipV="1">
-            <a:off x="8898825" y="1229457"/>
-            <a:ext cx="592084" cy="45610"/>
+          <a:xfrm>
+            <a:off x="6096000" y="1171520"/>
+            <a:ext cx="0" cy="5158959"/>
           </a:xfrm>
-          <a:prstGeom prst="bentConnector3">
+          <a:prstGeom prst="line">
             <a:avLst/>
           </a:prstGeom>
-          <a:ln w="19050">
+          <a:ln w="28575">
             <a:solidFill>
-              <a:srgbClr val="00B0F0"/>
+              <a:schemeClr val="tx1"/>
             </a:solidFill>
+            <a:prstDash val="dash"/>
           </a:ln>
         </p:spPr>
         <p:style>
@@ -5656,58 +7372,52 @@
           </a:fontRef>
         </p:style>
       </p:cxnSp>
-      <p:cxnSp>
-        <p:nvCxnSpPr>
-          <p:cNvPr id="35" name="연결선: 꺾임 34">
-            <a:extLst>
-              <a:ext uri="{FF2B5EF4-FFF2-40B4-BE49-F238E27FC236}">
-                <a16:creationId xmlns:a16="http://schemas.microsoft.com/office/drawing/2014/main" id="{7072D511-6B31-4DF2-97F8-3D97B2AD3474}"/>
-              </a:ext>
-            </a:extLst>
-          </p:cNvPr>
-          <p:cNvCxnSpPr>
-            <a:cxnSpLocks/>
-            <a:endCxn id="26" idx="0"/>
-          </p:cNvCxnSpPr>
+      <p:sp>
+        <p:nvSpPr>
+          <p:cNvPr id="48" name="TextBox 47">
+            <a:extLst>
+              <a:ext uri="{FF2B5EF4-FFF2-40B4-BE49-F238E27FC236}">
+                <a16:creationId xmlns:a16="http://schemas.microsoft.com/office/drawing/2014/main" id="{E40D63F0-E675-419B-950E-2F941EFCFAC5}"/>
+              </a:ext>
+            </a:extLst>
+          </p:cNvPr>
+          <p:cNvSpPr txBox="1"/>
           <p:nvPr/>
-        </p:nvCxnSpPr>
+        </p:nvSpPr>
         <p:spPr>
-          <a:xfrm rot="5400000">
-            <a:off x="7779921" y="2161296"/>
-            <a:ext cx="838525" cy="315635"/>
+          <a:xfrm>
+            <a:off x="6483667" y="697656"/>
+            <a:ext cx="1239442" cy="276999"/>
           </a:xfrm>
-          <a:prstGeom prst="bentConnector3">
-            <a:avLst>
-              <a:gd name="adj1" fmla="val 50000"/>
-            </a:avLst>
+          <a:prstGeom prst="rect">
+            <a:avLst/>
           </a:prstGeom>
-          <a:ln w="19050">
-            <a:solidFill>
-              <a:srgbClr val="00B0F0"/>
-            </a:solidFill>
-          </a:ln>
+          <a:noFill/>
         </p:spPr>
-        <p:style>
-          <a:lnRef idx="1">
-            <a:schemeClr val="accent1"/>
-          </a:lnRef>
-          <a:fillRef idx="0">
-            <a:schemeClr val="accent1"/>
-          </a:fillRef>
-          <a:effectRef idx="0">
-            <a:schemeClr val="accent1"/>
-          </a:effectRef>
-          <a:fontRef idx="minor">
-            <a:schemeClr val="tx1"/>
-          </a:fontRef>
-        </p:style>
-      </p:cxnSp>
+        <p:txBody>
+          <a:bodyPr wrap="none" rtlCol="0">
+            <a:spAutoFit/>
+          </a:bodyPr>
+          <a:lstStyle/>
+          <a:p>
+            <a:pPr marL="228600" indent="-228600">
+              <a:buFont typeface="+mj-lt"/>
+              <a:buAutoNum type="arabicPeriod" startAt="3"/>
+            </a:pPr>
+            <a:r>
+              <a:rPr lang="ko-KR" altLang="en-US" sz="1200" b="1" dirty="0"/>
+              <a:t>참조 테이블</a:t>
+            </a:r>
+            <a:endParaRPr lang="en-US" altLang="ko-KR" sz="1050" dirty="0"/>
+          </a:p>
+        </p:txBody>
+      </p:sp>
       <p:graphicFrame>
         <p:nvGraphicFramePr>
-          <p:cNvPr id="51" name="표 51">
-            <a:extLst>
-              <a:ext uri="{FF2B5EF4-FFF2-40B4-BE49-F238E27FC236}">
-                <a16:creationId xmlns:a16="http://schemas.microsoft.com/office/drawing/2014/main" id="{1B249E93-A72F-4352-9C58-2711B7E52CC7}"/>
+          <p:cNvPr id="25" name="표 25">
+            <a:extLst>
+              <a:ext uri="{FF2B5EF4-FFF2-40B4-BE49-F238E27FC236}">
+                <a16:creationId xmlns:a16="http://schemas.microsoft.com/office/drawing/2014/main" id="{F92E3732-2E9A-4B18-9A1B-BC0A3D96F36A}"/>
               </a:ext>
             </a:extLst>
           </p:cNvPr>
@@ -5717,14 +7427,14 @@
           <p:nvPr>
             <p:extLst>
               <p:ext uri="{D42A27DB-BD31-4B8C-83A1-F6EECF244321}">
-                <p14:modId xmlns:p14="http://schemas.microsoft.com/office/powerpoint/2010/main" val="2166385221"/>
+                <p14:modId xmlns:p14="http://schemas.microsoft.com/office/powerpoint/2010/main" val="1673317978"/>
               </p:ext>
             </p:extLst>
           </p:nvPr>
         </p:nvGraphicFramePr>
         <p:xfrm>
-          <a:off x="590919" y="5070062"/>
-          <a:ext cx="4576794" cy="1180288"/>
+          <a:off x="6603525" y="1330088"/>
+          <a:ext cx="5058354" cy="3337560"/>
         </p:xfrm>
         <a:graphic>
           <a:graphicData uri="http://schemas.openxmlformats.org/drawingml/2006/table">
@@ -5733,29 +7443,29 @@
                 <a:tableStyleId>{5940675A-B579-460E-94D1-54222C63F5DA}</a:tableStyleId>
               </a:tblPr>
               <a:tblGrid>
-                <a:gridCol w="1525598">
+                <a:gridCol w="1686118">
                   <a:extLst>
                     <a:ext uri="{9D8B030D-6E8A-4147-A177-3AD203B41FA5}">
-                      <a16:colId xmlns:a16="http://schemas.microsoft.com/office/drawing/2014/main" val="2564658259"/>
+                      <a16:colId xmlns:a16="http://schemas.microsoft.com/office/drawing/2014/main" val="2160893981"/>
                     </a:ext>
                   </a:extLst>
                 </a:gridCol>
-                <a:gridCol w="1525598">
+                <a:gridCol w="1686118">
                   <a:extLst>
                     <a:ext uri="{9D8B030D-6E8A-4147-A177-3AD203B41FA5}">
-                      <a16:colId xmlns:a16="http://schemas.microsoft.com/office/drawing/2014/main" val="3801065631"/>
+                      <a16:colId xmlns:a16="http://schemas.microsoft.com/office/drawing/2014/main" val="2557284059"/>
                     </a:ext>
                   </a:extLst>
                 </a:gridCol>
-                <a:gridCol w="1525598">
+                <a:gridCol w="1686118">
                   <a:extLst>
                     <a:ext uri="{9D8B030D-6E8A-4147-A177-3AD203B41FA5}">
-                      <a16:colId xmlns:a16="http://schemas.microsoft.com/office/drawing/2014/main" val="1609455648"/>
+                      <a16:colId xmlns:a16="http://schemas.microsoft.com/office/drawing/2014/main" val="1499475286"/>
                     </a:ext>
                   </a:extLst>
                 </a:gridCol>
               </a:tblGrid>
-              <a:tr h="295072">
+              <a:tr h="370840">
                 <a:tc>
                   <a:txBody>
                     <a:bodyPr/>
@@ -5763,7 +7473,7 @@
                     <a:p>
                       <a:pPr algn="ctr" latinLnBrk="1"/>
                       <a:r>
-                        <a:rPr lang="ko-KR" altLang="en-US" sz="1200" b="1" dirty="0">
+                        <a:rPr lang="ko-KR" altLang="en-US" sz="1200" dirty="0">
                           <a:solidFill>
                             <a:schemeClr val="bg1"/>
                           </a:solidFill>
@@ -5787,12 +7497,12 @@
                     <a:p>
                       <a:pPr algn="ctr" latinLnBrk="1"/>
                       <a:r>
-                        <a:rPr lang="ko-KR" altLang="en-US" sz="1200" b="1" dirty="0">
+                        <a:rPr lang="ko-KR" altLang="en-US" sz="1200" dirty="0">
                           <a:solidFill>
                             <a:schemeClr val="bg1"/>
                           </a:solidFill>
                         </a:rPr>
-                        <a:t>이름</a:t>
+                        <a:t>한글명</a:t>
                       </a:r>
                     </a:p>
                   </a:txBody>
@@ -5811,12 +7521,12 @@
                     <a:p>
                       <a:pPr algn="ctr" latinLnBrk="1"/>
                       <a:r>
-                        <a:rPr lang="ko-KR" altLang="en-US" sz="1200" b="1" dirty="0">
+                        <a:rPr lang="ko-KR" altLang="en-US" sz="1200" dirty="0">
                           <a:solidFill>
                             <a:schemeClr val="bg1"/>
                           </a:solidFill>
                         </a:rPr>
-                        <a:t>참조 칼럼</a:t>
+                        <a:t>칼럼명</a:t>
                       </a:r>
                     </a:p>
                   </a:txBody>
@@ -5830,11 +7540,11 @@
                 </a:tc>
                 <a:extLst>
                   <a:ext uri="{0D108BD9-81ED-4DB2-BD59-A6C34878D82A}">
-                    <a16:rowId xmlns:a16="http://schemas.microsoft.com/office/drawing/2014/main" val="3411528129"/>
+                    <a16:rowId xmlns:a16="http://schemas.microsoft.com/office/drawing/2014/main" val="254171881"/>
                   </a:ext>
                 </a:extLst>
               </a:tr>
-              <a:tr h="295072">
+              <a:tr h="370840">
                 <a:tc>
                   <a:txBody>
                     <a:bodyPr/>
@@ -5842,13 +7552,25 @@
                     <a:p>
                       <a:pPr algn="ctr" latinLnBrk="1"/>
                       <a:r>
-                        <a:rPr lang="en-US" altLang="ko-KR" sz="1100" dirty="0" err="1"/>
+                        <a:rPr lang="en-US" altLang="ko-KR" sz="1200" dirty="0" err="1">
+                          <a:solidFill>
+                            <a:schemeClr val="tx1"/>
+                          </a:solidFill>
+                        </a:rPr>
                         <a:t>SkillStat_Table</a:t>
                       </a:r>
-                      <a:endParaRPr lang="ko-KR" altLang="en-US" sz="1100" dirty="0"/>
+                      <a:endParaRPr lang="ko-KR" altLang="en-US" sz="1200" dirty="0">
+                        <a:solidFill>
+                          <a:schemeClr val="tx1"/>
+                        </a:solidFill>
+                      </a:endParaRPr>
                     </a:p>
                   </a:txBody>
-                  <a:tcPr anchor="ctr"/>
+                  <a:tcPr anchor="ctr">
+                    <a:solidFill>
+                      <a:schemeClr val="bg1"/>
+                    </a:solidFill>
+                  </a:tcPr>
                 </a:tc>
                 <a:tc>
                   <a:txBody>
@@ -5857,16 +7579,20 @@
                     <a:p>
                       <a:pPr algn="ctr" latinLnBrk="1"/>
                       <a:r>
-                        <a:rPr lang="en-US" altLang="ko-KR" sz="1100" dirty="0"/>
-                        <a:t>Skill </a:t>
-                      </a:r>
-                      <a:r>
-                        <a:rPr lang="ko-KR" altLang="en-US" sz="1100" dirty="0"/>
-                        <a:t>사용 가능 횟수</a:t>
+                        <a:rPr lang="ko-KR" altLang="en-US" sz="1200" dirty="0">
+                          <a:solidFill>
+                            <a:schemeClr val="tx1"/>
+                          </a:solidFill>
+                        </a:rPr>
+                        <a:t>쿨타임</a:t>
                       </a:r>
                     </a:p>
                   </a:txBody>
-                  <a:tcPr anchor="ctr"/>
+                  <a:tcPr anchor="ctr">
+                    <a:solidFill>
+                      <a:schemeClr val="bg1"/>
+                    </a:solidFill>
+                  </a:tcPr>
                 </a:tc>
                 <a:tc>
                   <a:txBody>
@@ -5875,85 +7601,59 @@
                     <a:p>
                       <a:pPr algn="ctr" latinLnBrk="1"/>
                       <a:r>
-                        <a:rPr lang="en-US" altLang="ko-KR" sz="1100" dirty="0" err="1"/>
-                        <a:t>Max_Charge</a:t>
+                        <a:rPr lang="en-US" altLang="ko-KR" sz="1200" dirty="0">
+                          <a:solidFill>
+                            <a:schemeClr val="tx1"/>
+                          </a:solidFill>
+                        </a:rPr>
+                        <a:t>CoolTime</a:t>
                       </a:r>
-                      <a:endParaRPr lang="ko-KR" altLang="en-US" sz="1100" dirty="0"/>
+                      <a:endParaRPr lang="ko-KR" altLang="en-US" sz="1200" dirty="0">
+                        <a:solidFill>
+                          <a:schemeClr val="tx1"/>
+                        </a:solidFill>
+                      </a:endParaRPr>
                     </a:p>
                   </a:txBody>
-                  <a:tcPr anchor="ctr"/>
+                  <a:tcPr anchor="ctr">
+                    <a:solidFill>
+                      <a:schemeClr val="bg1"/>
+                    </a:solidFill>
+                  </a:tcPr>
                 </a:tc>
                 <a:extLst>
                   <a:ext uri="{0D108BD9-81ED-4DB2-BD59-A6C34878D82A}">
-                    <a16:rowId xmlns:a16="http://schemas.microsoft.com/office/drawing/2014/main" val="3691945688"/>
+                    <a16:rowId xmlns:a16="http://schemas.microsoft.com/office/drawing/2014/main" val="2194833006"/>
                   </a:ext>
                 </a:extLst>
               </a:tr>
-              <a:tr h="295072">
+              <a:tr h="370840">
                 <a:tc>
                   <a:txBody>
                     <a:bodyPr/>
                     <a:lstStyle/>
                     <a:p>
-                      <a:pPr marL="0" marR="0" lvl="0" indent="0" algn="ctr" defTabSz="914400" rtl="0" eaLnBrk="1" fontAlgn="auto" latinLnBrk="1" hangingPunct="1">
-                        <a:lnSpc>
-                          <a:spcPct val="100000"/>
-                        </a:lnSpc>
-                        <a:spcBef>
-                          <a:spcPts val="0"/>
-                        </a:spcBef>
-                        <a:spcAft>
-                          <a:spcPts val="0"/>
-                        </a:spcAft>
-                        <a:buClrTx/>
-                        <a:buSzTx/>
-                        <a:buFontTx/>
-                        <a:buNone/>
-                        <a:tabLst/>
-                        <a:defRPr/>
-                      </a:pPr>
+                      <a:pPr algn="ctr" latinLnBrk="1"/>
                       <a:r>
-                        <a:rPr lang="en-US" altLang="ko-KR" sz="1100" dirty="0" err="1"/>
-                        <a:t>SkillCondition_Table</a:t>
+                        <a:rPr lang="en-US" altLang="ko-KR" sz="1200" dirty="0" err="1">
+                          <a:solidFill>
+                            <a:schemeClr val="tx1"/>
+                          </a:solidFill>
+                        </a:rPr>
+                        <a:t>SkillStat_Table</a:t>
                       </a:r>
-                      <a:endParaRPr lang="ko-KR" altLang="en-US" sz="1100" dirty="0"/>
+                      <a:endParaRPr lang="ko-KR" altLang="en-US" sz="1200" dirty="0">
+                        <a:solidFill>
+                          <a:schemeClr val="tx1"/>
+                        </a:solidFill>
+                      </a:endParaRPr>
                     </a:p>
                   </a:txBody>
-                  <a:tcPr anchor="ctr"/>
-                </a:tc>
-                <a:tc>
-                  <a:txBody>
-                    <a:bodyPr/>
-                    <a:lstStyle/>
-                    <a:p>
-                      <a:pPr marL="0" marR="0" lvl="0" indent="0" algn="ctr" defTabSz="914400" rtl="0" eaLnBrk="1" fontAlgn="auto" latinLnBrk="1" hangingPunct="1">
-                        <a:lnSpc>
-                          <a:spcPct val="100000"/>
-                        </a:lnSpc>
-                        <a:spcBef>
-                          <a:spcPts val="0"/>
-                        </a:spcBef>
-                        <a:spcAft>
-                          <a:spcPts val="0"/>
-                        </a:spcAft>
-                        <a:buClrTx/>
-                        <a:buSzTx/>
-                        <a:buFontTx/>
-                        <a:buNone/>
-                        <a:tabLst/>
-                        <a:defRPr/>
-                      </a:pPr>
-                      <a:r>
-                        <a:rPr lang="en-US" altLang="ko-KR" sz="1100" dirty="0"/>
-                        <a:t>Skill </a:t>
-                      </a:r>
-                      <a:r>
-                        <a:rPr lang="ko-KR" altLang="en-US" sz="1100" dirty="0"/>
-                        <a:t>아이콘</a:t>
-                      </a:r>
-                    </a:p>
-                  </a:txBody>
-                  <a:tcPr anchor="ctr"/>
+                  <a:tcPr anchor="ctr">
+                    <a:solidFill>
+                      <a:schemeClr val="bg1"/>
+                    </a:solidFill>
+                  </a:tcPr>
                 </a:tc>
                 <a:tc>
                   <a:txBody>
@@ -5962,35 +7662,20 @@
                     <a:p>
                       <a:pPr algn="ctr" latinLnBrk="1"/>
                       <a:r>
-                        <a:rPr lang="en-US" altLang="ko-KR" sz="1100" dirty="0" err="1"/>
-                        <a:t>Skill_icon</a:t>
+                        <a:rPr lang="ko-KR" altLang="en-US" sz="1200" dirty="0">
+                          <a:solidFill>
+                            <a:schemeClr val="tx1"/>
+                          </a:solidFill>
+                        </a:rPr>
+                        <a:t>최대 충전 횟수</a:t>
                       </a:r>
-                      <a:endParaRPr lang="ko-KR" altLang="en-US" sz="1100" dirty="0"/>
                     </a:p>
                   </a:txBody>
-                  <a:tcPr anchor="ctr"/>
-                </a:tc>
-                <a:extLst>
-                  <a:ext uri="{0D108BD9-81ED-4DB2-BD59-A6C34878D82A}">
-                    <a16:rowId xmlns:a16="http://schemas.microsoft.com/office/drawing/2014/main" val="4233600896"/>
-                  </a:ext>
-                </a:extLst>
-              </a:tr>
-              <a:tr h="295072">
-                <a:tc>
-                  <a:txBody>
-                    <a:bodyPr/>
-                    <a:lstStyle/>
-                    <a:p>
-                      <a:pPr algn="ctr" latinLnBrk="1"/>
-                      <a:r>
-                        <a:rPr lang="en-US" altLang="ko-KR" sz="1100" dirty="0" err="1"/>
-                        <a:t>SkillStat_Table</a:t>
-                      </a:r>
-                      <a:endParaRPr lang="ko-KR" altLang="en-US" sz="1100" dirty="0"/>
-                    </a:p>
-                  </a:txBody>
-                  <a:tcPr anchor="ctr"/>
+                  <a:tcPr anchor="ctr">
+                    <a:solidFill>
+                      <a:schemeClr val="bg1"/>
+                    </a:solidFill>
+                  </a:tcPr>
                 </a:tc>
                 <a:tc>
                   <a:txBody>
@@ -5999,12 +7684,59 @@
                     <a:p>
                       <a:pPr algn="ctr" latinLnBrk="1"/>
                       <a:r>
-                        <a:rPr lang="ko-KR" altLang="en-US" sz="1100" dirty="0"/>
-                        <a:t>쿨타임</a:t>
+                        <a:rPr lang="en-US" altLang="ko-KR" sz="1200" dirty="0">
+                          <a:solidFill>
+                            <a:schemeClr val="tx1"/>
+                          </a:solidFill>
+                        </a:rPr>
+                        <a:t>Max_Charge</a:t>
                       </a:r>
+                      <a:endParaRPr lang="ko-KR" altLang="en-US" sz="1200" dirty="0">
+                        <a:solidFill>
+                          <a:schemeClr val="tx1"/>
+                        </a:solidFill>
+                      </a:endParaRPr>
                     </a:p>
                   </a:txBody>
-                  <a:tcPr anchor="ctr"/>
+                  <a:tcPr anchor="ctr">
+                    <a:solidFill>
+                      <a:schemeClr val="bg1"/>
+                    </a:solidFill>
+                  </a:tcPr>
+                </a:tc>
+                <a:extLst>
+                  <a:ext uri="{0D108BD9-81ED-4DB2-BD59-A6C34878D82A}">
+                    <a16:rowId xmlns:a16="http://schemas.microsoft.com/office/drawing/2014/main" val="4146617861"/>
+                  </a:ext>
+                </a:extLst>
+              </a:tr>
+              <a:tr h="370840">
+                <a:tc>
+                  <a:txBody>
+                    <a:bodyPr/>
+                    <a:lstStyle/>
+                    <a:p>
+                      <a:pPr algn="ctr" latinLnBrk="1"/>
+                      <a:r>
+                        <a:rPr lang="en-US" altLang="ko-KR" sz="1200" dirty="0" err="1">
+                          <a:solidFill>
+                            <a:schemeClr val="tx1"/>
+                          </a:solidFill>
+                        </a:rPr>
+                        <a:t>SkillCondition_Table</a:t>
+                      </a:r>
+                      <a:endParaRPr lang="ko-KR" altLang="en-US" sz="1200" dirty="0">
+                        <a:solidFill>
+                          <a:schemeClr val="tx1"/>
+                        </a:solidFill>
+                      </a:endParaRPr>
+                    </a:p>
+                  </a:txBody>
+                  <a:tcPr anchor="ctr">
+                    <a:solidFill>
+                      <a:schemeClr val="bg1"/>
+                    </a:solidFill>
+                  </a:tcPr>
                 </a:tc>
                 <a:tc>
                   <a:txBody>
@@ -6013,17 +7745,371 @@
                     <a:p>
                       <a:pPr algn="ctr" latinLnBrk="1"/>
                       <a:r>
-                        <a:rPr lang="en-US" altLang="ko-KR" sz="1100" dirty="0" err="1"/>
-                        <a:t>CoolTime</a:t>
+                        <a:rPr lang="ko-KR" altLang="en-US" sz="1200" dirty="0">
+                          <a:solidFill>
+                            <a:schemeClr val="tx1"/>
+                          </a:solidFill>
+                        </a:rPr>
+                        <a:t>스킬 아이콘</a:t>
                       </a:r>
-                      <a:endParaRPr lang="ko-KR" altLang="en-US" sz="1100" dirty="0"/>
                     </a:p>
                   </a:txBody>
-                  <a:tcPr anchor="ctr"/>
+                  <a:tcPr anchor="ctr">
+                    <a:solidFill>
+                      <a:schemeClr val="bg1"/>
+                    </a:solidFill>
+                  </a:tcPr>
+                </a:tc>
+                <a:tc>
+                  <a:txBody>
+                    <a:bodyPr/>
+                    <a:lstStyle/>
+                    <a:p>
+                      <a:pPr algn="ctr" latinLnBrk="1"/>
+                      <a:r>
+                        <a:rPr lang="en-US" altLang="ko-KR" sz="1200" dirty="0">
+                          <a:solidFill>
+                            <a:schemeClr val="tx1"/>
+                          </a:solidFill>
+                        </a:rPr>
+                        <a:t>Skill_icon</a:t>
+                      </a:r>
+                      <a:endParaRPr lang="ko-KR" altLang="en-US" sz="1200" dirty="0">
+                        <a:solidFill>
+                          <a:schemeClr val="tx1"/>
+                        </a:solidFill>
+                      </a:endParaRPr>
+                    </a:p>
+                  </a:txBody>
+                  <a:tcPr anchor="ctr">
+                    <a:solidFill>
+                      <a:schemeClr val="bg1"/>
+                    </a:solidFill>
+                  </a:tcPr>
                 </a:tc>
                 <a:extLst>
                   <a:ext uri="{0D108BD9-81ED-4DB2-BD59-A6C34878D82A}">
-                    <a16:rowId xmlns:a16="http://schemas.microsoft.com/office/drawing/2014/main" val="529539134"/>
+                    <a16:rowId xmlns:a16="http://schemas.microsoft.com/office/drawing/2014/main" val="2524090298"/>
+                  </a:ext>
+                </a:extLst>
+              </a:tr>
+              <a:tr h="370840">
+                <a:tc>
+                  <a:txBody>
+                    <a:bodyPr/>
+                    <a:lstStyle/>
+                    <a:p>
+                      <a:pPr algn="ctr" latinLnBrk="1"/>
+                      <a:endParaRPr lang="ko-KR" altLang="en-US" sz="1200">
+                        <a:solidFill>
+                          <a:schemeClr val="tx1"/>
+                        </a:solidFill>
+                      </a:endParaRPr>
+                    </a:p>
+                  </a:txBody>
+                  <a:tcPr anchor="ctr">
+                    <a:solidFill>
+                      <a:schemeClr val="bg1"/>
+                    </a:solidFill>
+                  </a:tcPr>
+                </a:tc>
+                <a:tc>
+                  <a:txBody>
+                    <a:bodyPr/>
+                    <a:lstStyle/>
+                    <a:p>
+                      <a:pPr algn="ctr" latinLnBrk="1"/>
+                      <a:endParaRPr lang="ko-KR" altLang="en-US" sz="1200">
+                        <a:solidFill>
+                          <a:schemeClr val="tx1"/>
+                        </a:solidFill>
+                      </a:endParaRPr>
+                    </a:p>
+                  </a:txBody>
+                  <a:tcPr anchor="ctr">
+                    <a:solidFill>
+                      <a:schemeClr val="bg1"/>
+                    </a:solidFill>
+                  </a:tcPr>
+                </a:tc>
+                <a:tc>
+                  <a:txBody>
+                    <a:bodyPr/>
+                    <a:lstStyle/>
+                    <a:p>
+                      <a:pPr algn="ctr" latinLnBrk="1"/>
+                      <a:endParaRPr lang="ko-KR" altLang="en-US" sz="1200" dirty="0">
+                        <a:solidFill>
+                          <a:schemeClr val="tx1"/>
+                        </a:solidFill>
+                      </a:endParaRPr>
+                    </a:p>
+                  </a:txBody>
+                  <a:tcPr anchor="ctr">
+                    <a:solidFill>
+                      <a:schemeClr val="bg1"/>
+                    </a:solidFill>
+                  </a:tcPr>
+                </a:tc>
+                <a:extLst>
+                  <a:ext uri="{0D108BD9-81ED-4DB2-BD59-A6C34878D82A}">
+                    <a16:rowId xmlns:a16="http://schemas.microsoft.com/office/drawing/2014/main" val="1651940067"/>
+                  </a:ext>
+                </a:extLst>
+              </a:tr>
+              <a:tr h="370840">
+                <a:tc>
+                  <a:txBody>
+                    <a:bodyPr/>
+                    <a:lstStyle/>
+                    <a:p>
+                      <a:pPr algn="ctr" latinLnBrk="1"/>
+                      <a:endParaRPr lang="ko-KR" altLang="en-US" sz="1200">
+                        <a:solidFill>
+                          <a:schemeClr val="tx1"/>
+                        </a:solidFill>
+                      </a:endParaRPr>
+                    </a:p>
+                  </a:txBody>
+                  <a:tcPr anchor="ctr">
+                    <a:solidFill>
+                      <a:schemeClr val="bg1"/>
+                    </a:solidFill>
+                  </a:tcPr>
+                </a:tc>
+                <a:tc>
+                  <a:txBody>
+                    <a:bodyPr/>
+                    <a:lstStyle/>
+                    <a:p>
+                      <a:pPr algn="ctr" latinLnBrk="1"/>
+                      <a:endParaRPr lang="ko-KR" altLang="en-US" sz="1200">
+                        <a:solidFill>
+                          <a:schemeClr val="tx1"/>
+                        </a:solidFill>
+                      </a:endParaRPr>
+                    </a:p>
+                  </a:txBody>
+                  <a:tcPr anchor="ctr">
+                    <a:solidFill>
+                      <a:schemeClr val="bg1"/>
+                    </a:solidFill>
+                  </a:tcPr>
+                </a:tc>
+                <a:tc>
+                  <a:txBody>
+                    <a:bodyPr/>
+                    <a:lstStyle/>
+                    <a:p>
+                      <a:pPr algn="ctr" latinLnBrk="1"/>
+                      <a:endParaRPr lang="ko-KR" altLang="en-US" sz="1200" dirty="0">
+                        <a:solidFill>
+                          <a:schemeClr val="tx1"/>
+                        </a:solidFill>
+                      </a:endParaRPr>
+                    </a:p>
+                  </a:txBody>
+                  <a:tcPr anchor="ctr">
+                    <a:solidFill>
+                      <a:schemeClr val="bg1"/>
+                    </a:solidFill>
+                  </a:tcPr>
+                </a:tc>
+                <a:extLst>
+                  <a:ext uri="{0D108BD9-81ED-4DB2-BD59-A6C34878D82A}">
+                    <a16:rowId xmlns:a16="http://schemas.microsoft.com/office/drawing/2014/main" val="1806910119"/>
+                  </a:ext>
+                </a:extLst>
+              </a:tr>
+              <a:tr h="370840">
+                <a:tc>
+                  <a:txBody>
+                    <a:bodyPr/>
+                    <a:lstStyle/>
+                    <a:p>
+                      <a:pPr algn="ctr" latinLnBrk="1"/>
+                      <a:endParaRPr lang="ko-KR" altLang="en-US" sz="1200">
+                        <a:solidFill>
+                          <a:schemeClr val="tx1"/>
+                        </a:solidFill>
+                      </a:endParaRPr>
+                    </a:p>
+                  </a:txBody>
+                  <a:tcPr anchor="ctr">
+                    <a:solidFill>
+                      <a:schemeClr val="bg1"/>
+                    </a:solidFill>
+                  </a:tcPr>
+                </a:tc>
+                <a:tc>
+                  <a:txBody>
+                    <a:bodyPr/>
+                    <a:lstStyle/>
+                    <a:p>
+                      <a:pPr algn="ctr" latinLnBrk="1"/>
+                      <a:endParaRPr lang="ko-KR" altLang="en-US" sz="1200">
+                        <a:solidFill>
+                          <a:schemeClr val="tx1"/>
+                        </a:solidFill>
+                      </a:endParaRPr>
+                    </a:p>
+                  </a:txBody>
+                  <a:tcPr anchor="ctr">
+                    <a:solidFill>
+                      <a:schemeClr val="bg1"/>
+                    </a:solidFill>
+                  </a:tcPr>
+                </a:tc>
+                <a:tc>
+                  <a:txBody>
+                    <a:bodyPr/>
+                    <a:lstStyle/>
+                    <a:p>
+                      <a:pPr algn="ctr" latinLnBrk="1"/>
+                      <a:endParaRPr lang="ko-KR" altLang="en-US" sz="1200" dirty="0">
+                        <a:solidFill>
+                          <a:schemeClr val="tx1"/>
+                        </a:solidFill>
+                      </a:endParaRPr>
+                    </a:p>
+                  </a:txBody>
+                  <a:tcPr anchor="ctr">
+                    <a:solidFill>
+                      <a:schemeClr val="bg1"/>
+                    </a:solidFill>
+                  </a:tcPr>
+                </a:tc>
+                <a:extLst>
+                  <a:ext uri="{0D108BD9-81ED-4DB2-BD59-A6C34878D82A}">
+                    <a16:rowId xmlns:a16="http://schemas.microsoft.com/office/drawing/2014/main" val="2704083785"/>
+                  </a:ext>
+                </a:extLst>
+              </a:tr>
+              <a:tr h="370840">
+                <a:tc>
+                  <a:txBody>
+                    <a:bodyPr/>
+                    <a:lstStyle/>
+                    <a:p>
+                      <a:pPr algn="ctr" latinLnBrk="1"/>
+                      <a:endParaRPr lang="ko-KR" altLang="en-US" sz="1200">
+                        <a:solidFill>
+                          <a:schemeClr val="tx1"/>
+                        </a:solidFill>
+                      </a:endParaRPr>
+                    </a:p>
+                  </a:txBody>
+                  <a:tcPr anchor="ctr">
+                    <a:solidFill>
+                      <a:schemeClr val="bg1"/>
+                    </a:solidFill>
+                  </a:tcPr>
+                </a:tc>
+                <a:tc>
+                  <a:txBody>
+                    <a:bodyPr/>
+                    <a:lstStyle/>
+                    <a:p>
+                      <a:pPr algn="ctr" latinLnBrk="1"/>
+                      <a:endParaRPr lang="ko-KR" altLang="en-US" sz="1200" dirty="0">
+                        <a:solidFill>
+                          <a:schemeClr val="tx1"/>
+                        </a:solidFill>
+                      </a:endParaRPr>
+                    </a:p>
+                  </a:txBody>
+                  <a:tcPr anchor="ctr">
+                    <a:solidFill>
+                      <a:schemeClr val="bg1"/>
+                    </a:solidFill>
+                  </a:tcPr>
+                </a:tc>
+                <a:tc>
+                  <a:txBody>
+                    <a:bodyPr/>
+                    <a:lstStyle/>
+                    <a:p>
+                      <a:pPr algn="ctr" latinLnBrk="1"/>
+                      <a:endParaRPr lang="ko-KR" altLang="en-US" sz="1200" dirty="0">
+                        <a:solidFill>
+                          <a:schemeClr val="tx1"/>
+                        </a:solidFill>
+                      </a:endParaRPr>
+                    </a:p>
+                  </a:txBody>
+                  <a:tcPr anchor="ctr">
+                    <a:solidFill>
+                      <a:schemeClr val="bg1"/>
+                    </a:solidFill>
+                  </a:tcPr>
+                </a:tc>
+                <a:extLst>
+                  <a:ext uri="{0D108BD9-81ED-4DB2-BD59-A6C34878D82A}">
+                    <a16:rowId xmlns:a16="http://schemas.microsoft.com/office/drawing/2014/main" val="181957803"/>
+                  </a:ext>
+                </a:extLst>
+              </a:tr>
+              <a:tr h="370840">
+                <a:tc>
+                  <a:txBody>
+                    <a:bodyPr/>
+                    <a:lstStyle/>
+                    <a:p>
+                      <a:pPr algn="ctr" latinLnBrk="1"/>
+                      <a:endParaRPr lang="ko-KR" altLang="en-US" sz="1200">
+                        <a:solidFill>
+                          <a:schemeClr val="tx1"/>
+                        </a:solidFill>
+                      </a:endParaRPr>
+                    </a:p>
+                  </a:txBody>
+                  <a:tcPr anchor="ctr">
+                    <a:solidFill>
+                      <a:schemeClr val="bg1"/>
+                    </a:solidFill>
+                  </a:tcPr>
+                </a:tc>
+                <a:tc>
+                  <a:txBody>
+                    <a:bodyPr/>
+                    <a:lstStyle/>
+                    <a:p>
+                      <a:pPr algn="ctr" latinLnBrk="1"/>
+                      <a:endParaRPr lang="ko-KR" altLang="en-US" sz="1200">
+                        <a:solidFill>
+                          <a:schemeClr val="tx1"/>
+                        </a:solidFill>
+                      </a:endParaRPr>
+                    </a:p>
+                  </a:txBody>
+                  <a:tcPr anchor="ctr">
+                    <a:solidFill>
+                      <a:schemeClr val="bg1"/>
+                    </a:solidFill>
+                  </a:tcPr>
+                </a:tc>
+                <a:tc>
+                  <a:txBody>
+                    <a:bodyPr/>
+                    <a:lstStyle/>
+                    <a:p>
+                      <a:pPr algn="ctr" latinLnBrk="1"/>
+                      <a:endParaRPr lang="ko-KR" altLang="en-US" sz="1200" dirty="0">
+                        <a:solidFill>
+                          <a:schemeClr val="tx1"/>
+                        </a:solidFill>
+                      </a:endParaRPr>
+                    </a:p>
+                  </a:txBody>
+                  <a:tcPr anchor="ctr">
+                    <a:solidFill>
+                      <a:schemeClr val="bg1"/>
+                    </a:solidFill>
+                  </a:tcPr>
+                </a:tc>
+                <a:extLst>
+                  <a:ext uri="{0D108BD9-81ED-4DB2-BD59-A6C34878D82A}">
+                    <a16:rowId xmlns:a16="http://schemas.microsoft.com/office/drawing/2014/main" val="400751473"/>
                   </a:ext>
                 </a:extLst>
               </a:tr>
@@ -6031,460 +8117,10 @@
           </a:graphicData>
         </a:graphic>
       </p:graphicFrame>
-      <p:sp>
-        <p:nvSpPr>
-          <p:cNvPr id="57" name="직사각형 56">
-            <a:extLst>
-              <a:ext uri="{FF2B5EF4-FFF2-40B4-BE49-F238E27FC236}">
-                <a16:creationId xmlns:a16="http://schemas.microsoft.com/office/drawing/2014/main" id="{402E5E87-D37A-45CA-89B1-0CF5278E6434}"/>
-              </a:ext>
-            </a:extLst>
-          </p:cNvPr>
-          <p:cNvSpPr/>
-          <p:nvPr/>
-        </p:nvSpPr>
-        <p:spPr>
-          <a:xfrm>
-            <a:off x="7821619" y="4081168"/>
-            <a:ext cx="1077210" cy="1077210"/>
-          </a:xfrm>
-          <a:prstGeom prst="rect">
-            <a:avLst/>
-          </a:prstGeom>
-          <a:solidFill>
-            <a:schemeClr val="accent2"/>
-          </a:solidFill>
-          <a:ln>
-            <a:solidFill>
-              <a:srgbClr val="FF0000"/>
-            </a:solidFill>
-          </a:ln>
-        </p:spPr>
-        <p:style>
-          <a:lnRef idx="2">
-            <a:schemeClr val="accent1">
-              <a:shade val="50000"/>
-            </a:schemeClr>
-          </a:lnRef>
-          <a:fillRef idx="1">
-            <a:schemeClr val="accent1"/>
-          </a:fillRef>
-          <a:effectRef idx="0">
-            <a:schemeClr val="accent1"/>
-          </a:effectRef>
-          <a:fontRef idx="minor">
-            <a:schemeClr val="lt1"/>
-          </a:fontRef>
-        </p:style>
-        <p:txBody>
-          <a:bodyPr rtlCol="0" anchor="ctr"/>
-          <a:lstStyle/>
-          <a:p>
-            <a:pPr algn="ctr"/>
-            <a:endParaRPr lang="ko-KR" altLang="en-US"/>
-          </a:p>
-        </p:txBody>
-      </p:sp>
-      <p:sp>
-        <p:nvSpPr>
-          <p:cNvPr id="61" name="자유형: 도형 60">
-            <a:extLst>
-              <a:ext uri="{FF2B5EF4-FFF2-40B4-BE49-F238E27FC236}">
-                <a16:creationId xmlns:a16="http://schemas.microsoft.com/office/drawing/2014/main" id="{23F60028-E0B8-4194-A505-68D35F1C7CDB}"/>
-              </a:ext>
-            </a:extLst>
-          </p:cNvPr>
-          <p:cNvSpPr/>
-          <p:nvPr/>
-        </p:nvSpPr>
-        <p:spPr>
-          <a:xfrm>
-            <a:off x="7821617" y="4077353"/>
-            <a:ext cx="1077210" cy="1077210"/>
-          </a:xfrm>
-          <a:custGeom>
-            <a:avLst/>
-            <a:gdLst>
-              <a:gd name="connsiteX0" fmla="*/ 0 w 1077210"/>
-              <a:gd name="connsiteY0" fmla="*/ 0 h 1077210"/>
-              <a:gd name="connsiteX1" fmla="*/ 522553 w 1077210"/>
-              <a:gd name="connsiteY1" fmla="*/ 0 h 1077210"/>
-              <a:gd name="connsiteX2" fmla="*/ 531358 w 1077210"/>
-              <a:gd name="connsiteY2" fmla="*/ 562604 h 1077210"/>
-              <a:gd name="connsiteX3" fmla="*/ 1077210 w 1077210"/>
-              <a:gd name="connsiteY3" fmla="*/ 961997 h 1077210"/>
-              <a:gd name="connsiteX4" fmla="*/ 1077210 w 1077210"/>
-              <a:gd name="connsiteY4" fmla="*/ 1077210 h 1077210"/>
-              <a:gd name="connsiteX5" fmla="*/ 0 w 1077210"/>
-              <a:gd name="connsiteY5" fmla="*/ 1077210 h 1077210"/>
-            </a:gdLst>
-            <a:ahLst/>
-            <a:cxnLst>
-              <a:cxn ang="0">
-                <a:pos x="connsiteX0" y="connsiteY0"/>
-              </a:cxn>
-              <a:cxn ang="0">
-                <a:pos x="connsiteX1" y="connsiteY1"/>
-              </a:cxn>
-              <a:cxn ang="0">
-                <a:pos x="connsiteX2" y="connsiteY2"/>
-              </a:cxn>
-              <a:cxn ang="0">
-                <a:pos x="connsiteX3" y="connsiteY3"/>
-              </a:cxn>
-              <a:cxn ang="0">
-                <a:pos x="connsiteX4" y="connsiteY4"/>
-              </a:cxn>
-              <a:cxn ang="0">
-                <a:pos x="connsiteX5" y="connsiteY5"/>
-              </a:cxn>
-            </a:cxnLst>
-            <a:rect l="l" t="t" r="r" b="b"/>
-            <a:pathLst>
-              <a:path w="1077210" h="1077210">
-                <a:moveTo>
-                  <a:pt x="0" y="0"/>
-                </a:moveTo>
-                <a:lnTo>
-                  <a:pt x="522553" y="0"/>
-                </a:lnTo>
-                <a:lnTo>
-                  <a:pt x="531358" y="562604"/>
-                </a:lnTo>
-                <a:lnTo>
-                  <a:pt x="1077210" y="961997"/>
-                </a:lnTo>
-                <a:lnTo>
-                  <a:pt x="1077210" y="1077210"/>
-                </a:lnTo>
-                <a:lnTo>
-                  <a:pt x="0" y="1077210"/>
-                </a:lnTo>
-                <a:close/>
-              </a:path>
-            </a:pathLst>
-          </a:custGeom>
-          <a:solidFill>
-            <a:schemeClr val="tx1">
-              <a:alpha val="70000"/>
-            </a:schemeClr>
-          </a:solidFill>
-          <a:ln>
-            <a:noFill/>
-          </a:ln>
-        </p:spPr>
-        <p:style>
-          <a:lnRef idx="2">
-            <a:schemeClr val="accent1">
-              <a:shade val="50000"/>
-            </a:schemeClr>
-          </a:lnRef>
-          <a:fillRef idx="1">
-            <a:schemeClr val="accent1"/>
-          </a:fillRef>
-          <a:effectRef idx="0">
-            <a:schemeClr val="accent1"/>
-          </a:effectRef>
-          <a:fontRef idx="minor">
-            <a:schemeClr val="lt1"/>
-          </a:fontRef>
-        </p:style>
-        <p:txBody>
-          <a:bodyPr wrap="square" rtlCol="0" anchor="ctr">
-            <a:noAutofit/>
-          </a:bodyPr>
-          <a:lstStyle/>
-          <a:p>
-            <a:pPr algn="ctr"/>
-            <a:endParaRPr lang="ko-KR" altLang="en-US"/>
-          </a:p>
-        </p:txBody>
-      </p:sp>
-      <p:sp>
-        <p:nvSpPr>
-          <p:cNvPr id="58" name="타원 57">
-            <a:extLst>
-              <a:ext uri="{FF2B5EF4-FFF2-40B4-BE49-F238E27FC236}">
-                <a16:creationId xmlns:a16="http://schemas.microsoft.com/office/drawing/2014/main" id="{D29F7ED2-4B1B-423D-90C7-CC47577B0E8B}"/>
-              </a:ext>
-            </a:extLst>
-          </p:cNvPr>
-          <p:cNvSpPr/>
-          <p:nvPr/>
-        </p:nvSpPr>
-        <p:spPr>
-          <a:xfrm>
-            <a:off x="8680019" y="3847627"/>
-            <a:ext cx="437617" cy="437617"/>
-          </a:xfrm>
-          <a:prstGeom prst="ellipse">
-            <a:avLst/>
-          </a:prstGeom>
-          <a:solidFill>
-            <a:schemeClr val="bg1">
-              <a:lumMod val="75000"/>
-            </a:schemeClr>
-          </a:solidFill>
-          <a:ln>
-            <a:solidFill>
-              <a:schemeClr val="tx1"/>
-            </a:solidFill>
-          </a:ln>
-        </p:spPr>
-        <p:style>
-          <a:lnRef idx="2">
-            <a:schemeClr val="accent1">
-              <a:shade val="50000"/>
-            </a:schemeClr>
-          </a:lnRef>
-          <a:fillRef idx="1">
-            <a:schemeClr val="accent1"/>
-          </a:fillRef>
-          <a:effectRef idx="0">
-            <a:schemeClr val="accent1"/>
-          </a:effectRef>
-          <a:fontRef idx="minor">
-            <a:schemeClr val="lt1"/>
-          </a:fontRef>
-        </p:style>
-        <p:txBody>
-          <a:bodyPr rtlCol="0" anchor="ctr"/>
-          <a:lstStyle/>
-          <a:p>
-            <a:pPr algn="ctr"/>
-            <a:r>
-              <a:rPr lang="en-US" altLang="ko-KR" dirty="0">
-                <a:solidFill>
-                  <a:schemeClr val="tx1"/>
-                </a:solidFill>
-              </a:rPr>
-              <a:t>1</a:t>
-            </a:r>
-            <a:endParaRPr lang="ko-KR" altLang="en-US" dirty="0">
-              <a:solidFill>
-                <a:schemeClr val="tx1"/>
-              </a:solidFill>
-            </a:endParaRPr>
-          </a:p>
-        </p:txBody>
-      </p:sp>
-      <p:sp>
-        <p:nvSpPr>
-          <p:cNvPr id="62" name="화살표: 왼쪽으로 구부러짐 61">
-            <a:extLst>
-              <a:ext uri="{FF2B5EF4-FFF2-40B4-BE49-F238E27FC236}">
-                <a16:creationId xmlns:a16="http://schemas.microsoft.com/office/drawing/2014/main" id="{DB8B125C-55A8-46B7-87A8-48535D7E597D}"/>
-              </a:ext>
-            </a:extLst>
-          </p:cNvPr>
-          <p:cNvSpPr/>
-          <p:nvPr/>
-        </p:nvSpPr>
-        <p:spPr>
-          <a:xfrm>
-            <a:off x="8360222" y="4210455"/>
-            <a:ext cx="731520" cy="838635"/>
-          </a:xfrm>
-          <a:prstGeom prst="curvedLeftArrow">
-            <a:avLst/>
-          </a:prstGeom>
-        </p:spPr>
-        <p:style>
-          <a:lnRef idx="2">
-            <a:schemeClr val="accent1">
-              <a:shade val="50000"/>
-            </a:schemeClr>
-          </a:lnRef>
-          <a:fillRef idx="1">
-            <a:schemeClr val="accent1"/>
-          </a:fillRef>
-          <a:effectRef idx="0">
-            <a:schemeClr val="accent1"/>
-          </a:effectRef>
-          <a:fontRef idx="minor">
-            <a:schemeClr val="lt1"/>
-          </a:fontRef>
-        </p:style>
-        <p:txBody>
-          <a:bodyPr rtlCol="0" anchor="ctr"/>
-          <a:lstStyle/>
-          <a:p>
-            <a:pPr algn="ctr"/>
-            <a:endParaRPr lang="ko-KR" altLang="en-US">
-              <a:solidFill>
-                <a:schemeClr val="tx1"/>
-              </a:solidFill>
-            </a:endParaRPr>
-          </a:p>
-        </p:txBody>
-      </p:sp>
-      <p:sp>
-        <p:nvSpPr>
-          <p:cNvPr id="63" name="TextBox 62">
-            <a:extLst>
-              <a:ext uri="{FF2B5EF4-FFF2-40B4-BE49-F238E27FC236}">
-                <a16:creationId xmlns:a16="http://schemas.microsoft.com/office/drawing/2014/main" id="{02C9CF00-8BA7-48AD-B3B2-0077B6318A56}"/>
-              </a:ext>
-            </a:extLst>
-          </p:cNvPr>
-          <p:cNvSpPr txBox="1"/>
-          <p:nvPr/>
-        </p:nvSpPr>
-        <p:spPr>
-          <a:xfrm>
-            <a:off x="6629398" y="5383536"/>
-            <a:ext cx="4058162" cy="523220"/>
-          </a:xfrm>
-          <a:prstGeom prst="rect">
-            <a:avLst/>
-          </a:prstGeom>
-          <a:solidFill>
-            <a:schemeClr val="bg1"/>
-          </a:solidFill>
-          <a:ln w="19050">
-            <a:solidFill>
-              <a:srgbClr val="00B0F0"/>
-            </a:solidFill>
-          </a:ln>
-        </p:spPr>
-        <p:txBody>
-          <a:bodyPr wrap="none" rtlCol="0">
-            <a:spAutoFit/>
-          </a:bodyPr>
-          <a:lstStyle/>
-          <a:p>
-            <a:r>
-              <a:rPr lang="en-US" altLang="ko-KR" sz="1400" dirty="0"/>
-              <a:t>1. </a:t>
-            </a:r>
-            <a:r>
-              <a:rPr lang="ko-KR" altLang="en-US" sz="1400" dirty="0"/>
-              <a:t>시계방향으로 쿨타임 회전</a:t>
-            </a:r>
-            <a:endParaRPr lang="en-US" altLang="ko-KR" sz="1400" dirty="0"/>
-          </a:p>
-          <a:p>
-            <a:r>
-              <a:rPr lang="en-US" altLang="ko-KR" sz="1400" dirty="0"/>
-              <a:t>   </a:t>
-            </a:r>
-            <a:r>
-              <a:rPr lang="ko-KR" altLang="en-US" sz="1400" dirty="0"/>
-              <a:t>ㄴ 조건</a:t>
-            </a:r>
-            <a:r>
-              <a:rPr lang="en-US" altLang="ko-KR" sz="1400" dirty="0"/>
-              <a:t>: </a:t>
-            </a:r>
-            <a:r>
-              <a:rPr lang="ko-KR" altLang="en-US" sz="1400" dirty="0"/>
-              <a:t>스킬 사용 가능 횟수 </a:t>
-            </a:r>
-            <a:r>
-              <a:rPr lang="en-US" altLang="ko-KR" sz="1400" dirty="0"/>
-              <a:t>!= </a:t>
-            </a:r>
-            <a:r>
-              <a:rPr lang="en-US" altLang="ko-KR" sz="1400" dirty="0" err="1"/>
-              <a:t>Max_Charge</a:t>
-            </a:r>
-            <a:r>
-              <a:rPr lang="en-US" altLang="ko-KR" sz="1400" dirty="0"/>
-              <a:t> </a:t>
-            </a:r>
-            <a:endParaRPr lang="ko-KR" altLang="en-US" sz="1400" dirty="0"/>
-          </a:p>
-        </p:txBody>
-      </p:sp>
-      <p:cxnSp>
-        <p:nvCxnSpPr>
-          <p:cNvPr id="65" name="직선 연결선 64">
-            <a:extLst>
-              <a:ext uri="{FF2B5EF4-FFF2-40B4-BE49-F238E27FC236}">
-                <a16:creationId xmlns:a16="http://schemas.microsoft.com/office/drawing/2014/main" id="{B5798EDF-98DB-4268-B57E-8B23828AFF01}"/>
-              </a:ext>
-            </a:extLst>
-          </p:cNvPr>
-          <p:cNvCxnSpPr/>
-          <p:nvPr/>
-        </p:nvCxnSpPr>
-        <p:spPr>
-          <a:xfrm>
-            <a:off x="7467183" y="3377684"/>
-            <a:ext cx="4466670" cy="0"/>
-          </a:xfrm>
-          <a:prstGeom prst="line">
-            <a:avLst/>
-          </a:prstGeom>
-          <a:ln w="19050">
-            <a:solidFill>
-              <a:schemeClr val="tx1"/>
-            </a:solidFill>
-          </a:ln>
-        </p:spPr>
-        <p:style>
-          <a:lnRef idx="1">
-            <a:schemeClr val="accent1"/>
-          </a:lnRef>
-          <a:fillRef idx="0">
-            <a:schemeClr val="accent1"/>
-          </a:fillRef>
-          <a:effectRef idx="0">
-            <a:schemeClr val="accent1"/>
-          </a:effectRef>
-          <a:fontRef idx="minor">
-            <a:schemeClr val="tx1"/>
-          </a:fontRef>
-        </p:style>
-      </p:cxnSp>
-      <p:cxnSp>
-        <p:nvCxnSpPr>
-          <p:cNvPr id="67" name="연결선: 꺾임 66">
-            <a:extLst>
-              <a:ext uri="{FF2B5EF4-FFF2-40B4-BE49-F238E27FC236}">
-                <a16:creationId xmlns:a16="http://schemas.microsoft.com/office/drawing/2014/main" id="{07E81C08-ABA4-4E6E-8490-7647DE5B9C37}"/>
-              </a:ext>
-            </a:extLst>
-          </p:cNvPr>
-          <p:cNvCxnSpPr>
-            <a:stCxn id="62" idx="4"/>
-          </p:cNvCxnSpPr>
-          <p:nvPr/>
-        </p:nvCxnSpPr>
-        <p:spPr>
-          <a:xfrm>
-            <a:off x="9091742" y="4584053"/>
-            <a:ext cx="266733" cy="799483"/>
-          </a:xfrm>
-          <a:prstGeom prst="bentConnector2">
-            <a:avLst/>
-          </a:prstGeom>
-          <a:ln>
-            <a:solidFill>
-              <a:srgbClr val="00B0F0"/>
-            </a:solidFill>
-            <a:tailEnd type="triangle"/>
-          </a:ln>
-        </p:spPr>
-        <p:style>
-          <a:lnRef idx="1">
-            <a:schemeClr val="accent1"/>
-          </a:lnRef>
-          <a:fillRef idx="0">
-            <a:schemeClr val="accent1"/>
-          </a:fillRef>
-          <a:effectRef idx="0">
-            <a:schemeClr val="accent1"/>
-          </a:effectRef>
-          <a:fontRef idx="minor">
-            <a:schemeClr val="tx1"/>
-          </a:fontRef>
-        </p:style>
-      </p:cxnSp>
     </p:spTree>
     <p:extLst>
       <p:ext uri="{BB962C8B-B14F-4D97-AF65-F5344CB8AC3E}">
-        <p14:creationId xmlns:p14="http://schemas.microsoft.com/office/powerpoint/2010/main" val="4033769675"/>
+        <p14:creationId xmlns:p14="http://schemas.microsoft.com/office/powerpoint/2010/main" val="3510634932"/>
       </p:ext>
     </p:extLst>
   </p:cSld>
